--- a/CRRaD/презентация.pptx
+++ b/CRRaD/презентация.pptx
@@ -5725,13 +5725,7 @@
               <a:rPr lang="ru-RU" sz="1800" dirty="0" smtClean="0">
                 <a:cs typeface="Times New Roman" pitchFamily="18" charset="0"/>
               </a:rPr>
-              <a:t>Две версии поведенческой теории</a:t>
-            </a:r>
-            <a:r>
-              <a:rPr lang="ru-RU" sz="1800" dirty="0" smtClean="0">
-                <a:cs typeface="Times New Roman" pitchFamily="18" charset="0"/>
-              </a:rPr>
-              <a:t>:</a:t>
+              <a:t>Две версии поведенческой теории:</a:t>
             </a:r>
           </a:p>
           <a:p>
@@ -6255,8 +6249,8 @@
         </p:nvSpPr>
         <p:spPr bwMode="auto">
           <a:xfrm>
-            <a:off x="76200" y="1415842"/>
-            <a:ext cx="8915400" cy="338554"/>
+            <a:off x="76200" y="1261954"/>
+            <a:ext cx="8915400" cy="646331"/>
           </a:xfrm>
           <a:prstGeom prst="rect">
             <a:avLst/>
@@ -6303,12 +6297,12 @@
           <a:p>
             <a:pPr indent="450850"/>
             <a:r>
-              <a:rPr lang="ru-RU" sz="1600" b="0" dirty="0" smtClean="0">
+              <a:rPr lang="ru-RU" sz="1800" b="0" dirty="0" smtClean="0">
                 <a:cs typeface="Times New Roman" pitchFamily="18" charset="0"/>
               </a:rPr>
               <a:t>Задачей получения максимального дохода является следующая оптимизационная задача:</a:t>
             </a:r>
-            <a:endParaRPr lang="ru-RU" sz="1600" b="0" dirty="0">
+            <a:endParaRPr lang="ru-RU" sz="1800" b="0" dirty="0">
               <a:cs typeface="Times New Roman" pitchFamily="18" charset="0"/>
             </a:endParaRPr>
           </a:p>
@@ -6378,130 +6372,6 @@
       </p:sp>
       <p:sp>
         <p:nvSpPr>
-          <p:cNvPr id="5128" name="Rectangle 21"/>
-          <p:cNvSpPr>
-            <a:spLocks noChangeArrowheads="1"/>
-          </p:cNvSpPr>
-          <p:nvPr/>
-        </p:nvSpPr>
-        <p:spPr bwMode="auto">
-          <a:xfrm>
-            <a:off x="0" y="3067050"/>
-            <a:ext cx="184150" cy="276225"/>
-          </a:xfrm>
-          <a:prstGeom prst="rect">
-            <a:avLst/>
-          </a:prstGeom>
-          <a:noFill/>
-          <a:ln>
-            <a:noFill/>
-          </a:ln>
-          <a:effectLst/>
-          <a:extLst>
-            <a:ext uri="{909E8E84-426E-40DD-AFC4-6F175D3DCCD1}">
-              <a14:hiddenFill xmlns:a14="http://schemas.microsoft.com/office/drawing/2010/main">
-                <a:solidFill>
-                  <a:schemeClr val="accent1"/>
-                </a:solidFill>
-              </a14:hiddenFill>
-            </a:ext>
-            <a:ext uri="{91240B29-F687-4F45-9708-019B960494DF}">
-              <a14:hiddenLine xmlns:a14="http://schemas.microsoft.com/office/drawing/2010/main" w="9525">
-                <a:solidFill>
-                  <a:schemeClr val="tx1"/>
-                </a:solidFill>
-                <a:miter lim="800000"/>
-                <a:headEnd/>
-                <a:tailEnd/>
-              </a14:hiddenLine>
-            </a:ext>
-            <a:ext uri="{AF507438-7753-43E0-B8FC-AC1667EBCBE1}">
-              <a14:hiddenEffects xmlns:a14="http://schemas.microsoft.com/office/drawing/2010/main">
-                <a:effectLst>
-                  <a:outerShdw dist="35921" dir="2700000" algn="ctr" rotWithShape="0">
-                    <a:schemeClr val="bg2"/>
-                  </a:outerShdw>
-                </a:effectLst>
-              </a14:hiddenEffects>
-            </a:ext>
-          </a:extLst>
-        </p:spPr>
-        <p:txBody>
-          <a:bodyPr wrap="none" anchor="ctr">
-            <a:spAutoFit/>
-          </a:bodyPr>
-          <a:lstStyle/>
-          <a:p>
-            <a:endParaRPr lang="ru-RU">
-              <a:cs typeface="Times New Roman" pitchFamily="18" charset="0"/>
-            </a:endParaRPr>
-          </a:p>
-        </p:txBody>
-      </p:sp>
-      <p:sp>
-        <p:nvSpPr>
-          <p:cNvPr id="5130" name="Rectangle 23"/>
-          <p:cNvSpPr>
-            <a:spLocks noChangeArrowheads="1"/>
-          </p:cNvSpPr>
-          <p:nvPr/>
-        </p:nvSpPr>
-        <p:spPr bwMode="auto">
-          <a:xfrm>
-            <a:off x="0" y="3076575"/>
-            <a:ext cx="184150" cy="276225"/>
-          </a:xfrm>
-          <a:prstGeom prst="rect">
-            <a:avLst/>
-          </a:prstGeom>
-          <a:noFill/>
-          <a:ln>
-            <a:noFill/>
-          </a:ln>
-          <a:effectLst/>
-          <a:extLst>
-            <a:ext uri="{909E8E84-426E-40DD-AFC4-6F175D3DCCD1}">
-              <a14:hiddenFill xmlns:a14="http://schemas.microsoft.com/office/drawing/2010/main">
-                <a:solidFill>
-                  <a:schemeClr val="accent1"/>
-                </a:solidFill>
-              </a14:hiddenFill>
-            </a:ext>
-            <a:ext uri="{91240B29-F687-4F45-9708-019B960494DF}">
-              <a14:hiddenLine xmlns:a14="http://schemas.microsoft.com/office/drawing/2010/main" w="9525">
-                <a:solidFill>
-                  <a:schemeClr val="tx1"/>
-                </a:solidFill>
-                <a:miter lim="800000"/>
-                <a:headEnd/>
-                <a:tailEnd/>
-              </a14:hiddenLine>
-            </a:ext>
-            <a:ext uri="{AF507438-7753-43E0-B8FC-AC1667EBCBE1}">
-              <a14:hiddenEffects xmlns:a14="http://schemas.microsoft.com/office/drawing/2010/main">
-                <a:effectLst>
-                  <a:outerShdw dist="35921" dir="2700000" algn="ctr" rotWithShape="0">
-                    <a:schemeClr val="bg2"/>
-                  </a:outerShdw>
-                </a:effectLst>
-              </a14:hiddenEffects>
-            </a:ext>
-          </a:extLst>
-        </p:spPr>
-        <p:txBody>
-          <a:bodyPr wrap="none" anchor="ctr">
-            <a:spAutoFit/>
-          </a:bodyPr>
-          <a:lstStyle/>
-          <a:p>
-            <a:endParaRPr lang="ru-RU">
-              <a:cs typeface="Times New Roman" pitchFamily="18" charset="0"/>
-            </a:endParaRPr>
-          </a:p>
-        </p:txBody>
-      </p:sp>
-      <p:sp>
-        <p:nvSpPr>
           <p:cNvPr id="5138" name="Rectangle 32"/>
           <p:cNvSpPr>
             <a:spLocks noChangeArrowheads="1"/>
@@ -6564,7 +6434,7 @@
       </p:sp>
       <p:sp>
         <p:nvSpPr>
-          <p:cNvPr id="5141" name="Rectangle 43"/>
+          <p:cNvPr id="15" name="Rectangle 6"/>
           <p:cNvSpPr>
             <a:spLocks noChangeArrowheads="1"/>
           </p:cNvSpPr>
@@ -6572,8 +6442,8 @@
         </p:nvSpPr>
         <p:spPr bwMode="auto">
           <a:xfrm>
-            <a:off x="0" y="3076575"/>
-            <a:ext cx="184150" cy="276225"/>
+            <a:off x="184150" y="3819525"/>
+            <a:ext cx="8915400" cy="646331"/>
           </a:xfrm>
           <a:prstGeom prst="rect">
             <a:avLst/>
@@ -6613,12 +6483,19 @@
           </a:extLst>
         </p:spPr>
         <p:txBody>
-          <a:bodyPr wrap="none" anchor="ctr">
+          <a:bodyPr wrap="square" anchor="ctr">
             <a:spAutoFit/>
           </a:bodyPr>
           <a:lstStyle/>
           <a:p>
-            <a:endParaRPr lang="ru-RU">
+            <a:pPr indent="450850"/>
+            <a:r>
+              <a:rPr lang="ru-RU" sz="1800" b="0" dirty="0" smtClean="0">
+                <a:cs typeface="Times New Roman" pitchFamily="18" charset="0"/>
+              </a:rPr>
+              <a:t>Для большего соответствия реальным условиям можно ввести ограничения неотрицательности весов:</a:t>
+            </a:r>
+            <a:endParaRPr lang="ru-RU" sz="1800" b="0" dirty="0">
               <a:cs typeface="Times New Roman" pitchFamily="18" charset="0"/>
             </a:endParaRPr>
           </a:p>
@@ -6626,37 +6503,104 @@
       </p:sp>
       <p:graphicFrame>
         <p:nvGraphicFramePr>
-          <p:cNvPr id="5142" name="Object 46"/>
+          <p:cNvPr id="2" name="Объект 1"/>
           <p:cNvGraphicFramePr>
             <a:graphicFrameLocks noChangeAspect="1"/>
           </p:cNvGraphicFramePr>
-          <p:nvPr/>
+          <p:nvPr>
+            <p:extLst>
+              <p:ext uri="{D42A27DB-BD31-4B8C-83A1-F6EECF244321}">
+                <p14:modId xmlns:p14="http://schemas.microsoft.com/office/powerpoint/2010/main" val="249755883"/>
+              </p:ext>
+            </p:extLst>
+          </p:nvPr>
         </p:nvGraphicFramePr>
         <p:xfrm>
-          <a:off x="0" y="3127375"/>
-          <a:ext cx="114300" cy="219075"/>
+          <a:off x="3823486" y="1884362"/>
+          <a:ext cx="1014078" cy="477838"/>
         </p:xfrm>
         <a:graphic>
           <a:graphicData uri="http://schemas.openxmlformats.org/presentationml/2006/ole">
             <mc:AlternateContent xmlns:mc="http://schemas.openxmlformats.org/markup-compatibility/2006">
               <mc:Choice xmlns:v="urn:schemas-microsoft-com:vml" Requires="v">
-                <p:oleObj spid="_x0000_s5213" name="Формула" r:id="rId3" imgW="114151" imgH="215619" progId="Equation.3">
+                <p:oleObj spid="_x0000_s5260" name="Формула" r:id="rId3" imgW="609480" imgH="291960" progId="Equation.3">
                   <p:embed/>
                 </p:oleObj>
               </mc:Choice>
               <mc:Fallback>
-                <p:oleObj name="Формула" r:id="rId3" imgW="114151" imgH="215619" progId="Equation.3">
+                <p:oleObj name="Формула" r:id="rId3" imgW="609480" imgH="291960" progId="Equation.3">
                   <p:embed/>
                   <p:pic>
                     <p:nvPicPr>
-                      <p:cNvPr id="0" name="Object 46"/>
+                      <p:cNvPr id="0" name="Object 96"/>
                       <p:cNvPicPr>
                         <a:picLocks noChangeAspect="1" noChangeArrowheads="1"/>
                       </p:cNvPicPr>
                       <p:nvPr/>
                     </p:nvPicPr>
                     <p:blipFill>
-                      <a:blip r:embed="rId4">
+                      <a:blip r:embed="rId4"/>
+                      <a:srcRect/>
+                      <a:stretch>
+                        <a:fillRect/>
+                      </a:stretch>
+                    </p:blipFill>
+                    <p:spPr bwMode="auto">
+                      <a:xfrm>
+                        <a:off x="3823486" y="1884362"/>
+                        <a:ext cx="1014078" cy="477838"/>
+                      </a:xfrm>
+                      <a:prstGeom prst="rect">
+                        <a:avLst/>
+                      </a:prstGeom>
+                      <a:noFill/>
+                    </p:spPr>
+                  </p:pic>
+                </p:oleObj>
+              </mc:Fallback>
+            </mc:AlternateContent>
+          </a:graphicData>
+        </a:graphic>
+      </p:graphicFrame>
+      <p:graphicFrame>
+        <p:nvGraphicFramePr>
+          <p:cNvPr id="3" name="Объект 2"/>
+          <p:cNvGraphicFramePr>
+            <a:graphicFrameLocks noChangeAspect="1"/>
+          </p:cNvGraphicFramePr>
+          <p:nvPr>
+            <p:extLst>
+              <p:ext uri="{D42A27DB-BD31-4B8C-83A1-F6EECF244321}">
+                <p14:modId xmlns:p14="http://schemas.microsoft.com/office/powerpoint/2010/main" val="590863989"/>
+              </p:ext>
+            </p:extLst>
+          </p:nvPr>
+        </p:nvGraphicFramePr>
+        <p:xfrm>
+          <a:off x="2971800" y="2393950"/>
+          <a:ext cx="2717450" cy="425076"/>
+        </p:xfrm>
+        <a:graphic>
+          <a:graphicData uri="http://schemas.openxmlformats.org/presentationml/2006/ole">
+            <mc:AlternateContent xmlns:mc="http://schemas.openxmlformats.org/markup-compatibility/2006">
+              <mc:Choice xmlns:v="urn:schemas-microsoft-com:vml" Requires="v">
+                <p:oleObj spid="_x0000_s5261" name="Формула" r:id="rId5" imgW="1701800" imgH="266700" progId="Equation.3">
+                  <p:embed/>
+                </p:oleObj>
+              </mc:Choice>
+              <mc:Fallback>
+                <p:oleObj name="Формула" r:id="rId5" imgW="1701800" imgH="266700" progId="Equation.3">
+                  <p:embed/>
+                  <p:pic>
+                    <p:nvPicPr>
+                      <p:cNvPr id="0" name="Object 95"/>
+                      <p:cNvPicPr>
+                        <a:picLocks noChangeAspect="1" noChangeArrowheads="1"/>
+                      </p:cNvPicPr>
+                      <p:nvPr/>
+                    </p:nvPicPr>
+                    <p:blipFill>
+                      <a:blip r:embed="rId6">
                         <a:extLst>
                           <a:ext uri="{28A0092B-C50C-407E-A947-70E740481C1C}">
                             <a14:useLocalDpi xmlns:a14="http://schemas.microsoft.com/office/drawing/2010/main" val="0"/>
@@ -6670,8 +6614,514 @@
                     </p:blipFill>
                     <p:spPr bwMode="auto">
                       <a:xfrm>
-                        <a:off x="0" y="3127375"/>
-                        <a:ext cx="114300" cy="219075"/>
+                        <a:off x="2971800" y="2393950"/>
+                        <a:ext cx="2717450" cy="425076"/>
+                      </a:xfrm>
+                      <a:prstGeom prst="rect">
+                        <a:avLst/>
+                      </a:prstGeom>
+                      <a:noFill/>
+                    </p:spPr>
+                  </p:pic>
+                </p:oleObj>
+              </mc:Fallback>
+            </mc:AlternateContent>
+          </a:graphicData>
+        </a:graphic>
+      </p:graphicFrame>
+      <p:graphicFrame>
+        <p:nvGraphicFramePr>
+          <p:cNvPr id="4" name="Объект 3"/>
+          <p:cNvGraphicFramePr>
+            <a:graphicFrameLocks noChangeAspect="1"/>
+          </p:cNvGraphicFramePr>
+          <p:nvPr>
+            <p:extLst>
+              <p:ext uri="{D42A27DB-BD31-4B8C-83A1-F6EECF244321}">
+                <p14:modId xmlns:p14="http://schemas.microsoft.com/office/powerpoint/2010/main" val="2225647336"/>
+              </p:ext>
+            </p:extLst>
+          </p:nvPr>
+        </p:nvGraphicFramePr>
+        <p:xfrm>
+          <a:off x="3882292" y="2878512"/>
+          <a:ext cx="896467" cy="336175"/>
+        </p:xfrm>
+        <a:graphic>
+          <a:graphicData uri="http://schemas.openxmlformats.org/presentationml/2006/ole">
+            <mc:AlternateContent xmlns:mc="http://schemas.openxmlformats.org/markup-compatibility/2006">
+              <mc:Choice xmlns:v="urn:schemas-microsoft-com:vml" Requires="v">
+                <p:oleObj spid="_x0000_s5262" name="Формула" r:id="rId7" imgW="533169" imgH="203112" progId="Equation.3">
+                  <p:embed/>
+                </p:oleObj>
+              </mc:Choice>
+              <mc:Fallback>
+                <p:oleObj name="Формула" r:id="rId7" imgW="533169" imgH="203112" progId="Equation.3">
+                  <p:embed/>
+                  <p:pic>
+                    <p:nvPicPr>
+                      <p:cNvPr id="0" name="Object 94"/>
+                      <p:cNvPicPr>
+                        <a:picLocks noChangeAspect="1" noChangeArrowheads="1"/>
+                      </p:cNvPicPr>
+                      <p:nvPr/>
+                    </p:nvPicPr>
+                    <p:blipFill>
+                      <a:blip r:embed="rId8">
+                        <a:extLst>
+                          <a:ext uri="{28A0092B-C50C-407E-A947-70E740481C1C}">
+                            <a14:useLocalDpi xmlns:a14="http://schemas.microsoft.com/office/drawing/2010/main" val="0"/>
+                          </a:ext>
+                        </a:extLst>
+                      </a:blip>
+                      <a:srcRect/>
+                      <a:stretch>
+                        <a:fillRect/>
+                      </a:stretch>
+                    </p:blipFill>
+                    <p:spPr bwMode="auto">
+                      <a:xfrm>
+                        <a:off x="3882292" y="2878512"/>
+                        <a:ext cx="896467" cy="336175"/>
+                      </a:xfrm>
+                      <a:prstGeom prst="rect">
+                        <a:avLst/>
+                      </a:prstGeom>
+                      <a:noFill/>
+                    </p:spPr>
+                  </p:pic>
+                </p:oleObj>
+              </mc:Fallback>
+            </mc:AlternateContent>
+          </a:graphicData>
+        </a:graphic>
+      </p:graphicFrame>
+      <p:sp>
+        <p:nvSpPr>
+          <p:cNvPr id="5" name="Rectangle 97"/>
+          <p:cNvSpPr>
+            <a:spLocks noChangeArrowheads="1"/>
+          </p:cNvSpPr>
+          <p:nvPr/>
+        </p:nvSpPr>
+        <p:spPr bwMode="auto">
+          <a:xfrm>
+            <a:off x="0" y="0"/>
+            <a:ext cx="9144000" cy="457200"/>
+          </a:xfrm>
+          <a:prstGeom prst="rect">
+            <a:avLst/>
+          </a:prstGeom>
+          <a:noFill/>
+          <a:ln>
+            <a:noFill/>
+          </a:ln>
+          <a:effectLst/>
+          <a:extLst>
+            <a:ext uri="{909E8E84-426E-40DD-AFC4-6F175D3DCCD1}">
+              <a14:hiddenFill xmlns:a14="http://schemas.microsoft.com/office/drawing/2010/main">
+                <a:solidFill>
+                  <a:schemeClr val="accent1"/>
+                </a:solidFill>
+              </a14:hiddenFill>
+            </a:ext>
+            <a:ext uri="{91240B29-F687-4F45-9708-019B960494DF}">
+              <a14:hiddenLine xmlns:a14="http://schemas.microsoft.com/office/drawing/2010/main" w="9525">
+                <a:solidFill>
+                  <a:schemeClr val="tx1"/>
+                </a:solidFill>
+                <a:miter lim="800000"/>
+                <a:headEnd/>
+                <a:tailEnd/>
+              </a14:hiddenLine>
+            </a:ext>
+            <a:ext uri="{AF507438-7753-43E0-B8FC-AC1667EBCBE1}">
+              <a14:hiddenEffects xmlns:a14="http://schemas.microsoft.com/office/drawing/2010/main">
+                <a:effectLst>
+                  <a:outerShdw dist="35921" dir="2700000" algn="ctr" rotWithShape="0">
+                    <a:schemeClr val="bg2"/>
+                  </a:outerShdw>
+                </a:effectLst>
+              </a14:hiddenEffects>
+            </a:ext>
+          </a:extLst>
+        </p:spPr>
+        <p:txBody>
+          <a:bodyPr vert="horz" wrap="none" lIns="91440" tIns="45720" rIns="91440" bIns="45720" numCol="1" anchor="ctr" anchorCtr="0" compatLnSpc="1">
+            <a:prstTxWarp prst="textNoShape">
+              <a:avLst/>
+            </a:prstTxWarp>
+            <a:spAutoFit/>
+          </a:bodyPr>
+          <a:lstStyle/>
+          <a:p>
+            <a:endParaRPr lang="ru-RU"/>
+          </a:p>
+        </p:txBody>
+      </p:sp>
+      <p:sp>
+        <p:nvSpPr>
+          <p:cNvPr id="6" name="Rectangle 98"/>
+          <p:cNvSpPr>
+            <a:spLocks noChangeArrowheads="1"/>
+          </p:cNvSpPr>
+          <p:nvPr/>
+        </p:nvSpPr>
+        <p:spPr bwMode="auto">
+          <a:xfrm>
+            <a:off x="0" y="742950"/>
+            <a:ext cx="9144000" cy="0"/>
+          </a:xfrm>
+          <a:prstGeom prst="rect">
+            <a:avLst/>
+          </a:prstGeom>
+          <a:noFill/>
+          <a:ln>
+            <a:noFill/>
+          </a:ln>
+          <a:effectLst/>
+          <a:extLst>
+            <a:ext uri="{909E8E84-426E-40DD-AFC4-6F175D3DCCD1}">
+              <a14:hiddenFill xmlns:a14="http://schemas.microsoft.com/office/drawing/2010/main">
+                <a:solidFill>
+                  <a:schemeClr val="accent1"/>
+                </a:solidFill>
+              </a14:hiddenFill>
+            </a:ext>
+            <a:ext uri="{91240B29-F687-4F45-9708-019B960494DF}">
+              <a14:hiddenLine xmlns:a14="http://schemas.microsoft.com/office/drawing/2010/main" w="9525">
+                <a:solidFill>
+                  <a:schemeClr val="tx1"/>
+                </a:solidFill>
+                <a:miter lim="800000"/>
+                <a:headEnd/>
+                <a:tailEnd/>
+              </a14:hiddenLine>
+            </a:ext>
+            <a:ext uri="{AF507438-7753-43E0-B8FC-AC1667EBCBE1}">
+              <a14:hiddenEffects xmlns:a14="http://schemas.microsoft.com/office/drawing/2010/main">
+                <a:effectLst>
+                  <a:outerShdw dist="35921" dir="2700000" algn="ctr" rotWithShape="0">
+                    <a:schemeClr val="bg2"/>
+                  </a:outerShdw>
+                </a:effectLst>
+              </a14:hiddenEffects>
+            </a:ext>
+          </a:extLst>
+        </p:spPr>
+        <p:txBody>
+          <a:bodyPr vert="horz" wrap="none" lIns="91440" tIns="45720" rIns="91440" bIns="45720" numCol="1" anchor="ctr" anchorCtr="0" compatLnSpc="1">
+            <a:prstTxWarp prst="textNoShape">
+              <a:avLst/>
+            </a:prstTxWarp>
+            <a:spAutoFit/>
+          </a:bodyPr>
+          <a:lstStyle/>
+          <a:p>
+            <a:pPr marL="0" marR="0" lvl="0" indent="0" algn="l" defTabSz="914400" rtl="0" eaLnBrk="1" fontAlgn="base" latinLnBrk="0" hangingPunct="1">
+              <a:lnSpc>
+                <a:spcPct val="100000"/>
+              </a:lnSpc>
+              <a:spcBef>
+                <a:spcPct val="0"/>
+              </a:spcBef>
+              <a:spcAft>
+                <a:spcPct val="0"/>
+              </a:spcAft>
+              <a:buClrTx/>
+              <a:buSzTx/>
+              <a:buFontTx/>
+              <a:buNone/>
+              <a:tabLst/>
+            </a:pPr>
+            <a:r>
+              <a:rPr kumimoji="0" lang="en-US" sz="1200" b="0" i="0" u="none" strike="noStrike" cap="none" normalizeH="0" baseline="0" smtClean="0">
+                <a:ln>
+                  <a:noFill/>
+                </a:ln>
+                <a:solidFill>
+                  <a:schemeClr val="tx1"/>
+                </a:solidFill>
+                <a:effectLst/>
+                <a:latin typeface="Times New Roman" pitchFamily="18" charset="0"/>
+                <a:ea typeface="Calibri" pitchFamily="34" charset="0"/>
+                <a:cs typeface="Times New Roman" pitchFamily="18" charset="0"/>
+              </a:rPr>
+              <a:t> </a:t>
+            </a:r>
+            <a:endParaRPr kumimoji="0" lang="ru-RU" sz="800" b="0" i="0" u="none" strike="noStrike" cap="none" normalizeH="0" baseline="0" smtClean="0">
+              <a:ln>
+                <a:noFill/>
+              </a:ln>
+              <a:solidFill>
+                <a:schemeClr val="tx1"/>
+              </a:solidFill>
+              <a:effectLst/>
+              <a:latin typeface="Arial" pitchFamily="34" charset="0"/>
+              <a:cs typeface="Arial" pitchFamily="34" charset="0"/>
+            </a:endParaRPr>
+          </a:p>
+          <a:p>
+            <a:pPr marL="0" marR="0" lvl="0" indent="0" algn="l" defTabSz="914400" rtl="0" eaLnBrk="0" fontAlgn="base" latinLnBrk="0" hangingPunct="0">
+              <a:lnSpc>
+                <a:spcPct val="100000"/>
+              </a:lnSpc>
+              <a:spcBef>
+                <a:spcPct val="0"/>
+              </a:spcBef>
+              <a:spcAft>
+                <a:spcPct val="0"/>
+              </a:spcAft>
+              <a:buClrTx/>
+              <a:buSzTx/>
+              <a:buFontTx/>
+              <a:buNone/>
+              <a:tabLst/>
+            </a:pPr>
+            <a:endParaRPr kumimoji="0" lang="ru-RU" sz="1800" b="0" i="0" u="none" strike="noStrike" cap="none" normalizeH="0" baseline="0" smtClean="0">
+              <a:ln>
+                <a:noFill/>
+              </a:ln>
+              <a:solidFill>
+                <a:schemeClr val="tx1"/>
+              </a:solidFill>
+              <a:effectLst/>
+              <a:latin typeface="Arial" pitchFamily="34" charset="0"/>
+              <a:cs typeface="Arial" pitchFamily="34" charset="0"/>
+            </a:endParaRPr>
+          </a:p>
+        </p:txBody>
+      </p:sp>
+      <p:sp>
+        <p:nvSpPr>
+          <p:cNvPr id="7" name="Rectangle 99"/>
+          <p:cNvSpPr>
+            <a:spLocks noChangeArrowheads="1"/>
+          </p:cNvSpPr>
+          <p:nvPr/>
+        </p:nvSpPr>
+        <p:spPr bwMode="auto">
+          <a:xfrm>
+            <a:off x="0" y="1009650"/>
+            <a:ext cx="9144000" cy="0"/>
+          </a:xfrm>
+          <a:prstGeom prst="rect">
+            <a:avLst/>
+          </a:prstGeom>
+          <a:noFill/>
+          <a:ln>
+            <a:noFill/>
+          </a:ln>
+          <a:effectLst/>
+          <a:extLst>
+            <a:ext uri="{909E8E84-426E-40DD-AFC4-6F175D3DCCD1}">
+              <a14:hiddenFill xmlns:a14="http://schemas.microsoft.com/office/drawing/2010/main">
+                <a:solidFill>
+                  <a:schemeClr val="accent1"/>
+                </a:solidFill>
+              </a14:hiddenFill>
+            </a:ext>
+            <a:ext uri="{91240B29-F687-4F45-9708-019B960494DF}">
+              <a14:hiddenLine xmlns:a14="http://schemas.microsoft.com/office/drawing/2010/main" w="9525">
+                <a:solidFill>
+                  <a:schemeClr val="tx1"/>
+                </a:solidFill>
+                <a:miter lim="800000"/>
+                <a:headEnd/>
+                <a:tailEnd/>
+              </a14:hiddenLine>
+            </a:ext>
+            <a:ext uri="{AF507438-7753-43E0-B8FC-AC1667EBCBE1}">
+              <a14:hiddenEffects xmlns:a14="http://schemas.microsoft.com/office/drawing/2010/main">
+                <a:effectLst>
+                  <a:outerShdw dist="35921" dir="2700000" algn="ctr" rotWithShape="0">
+                    <a:schemeClr val="bg2"/>
+                  </a:outerShdw>
+                </a:effectLst>
+              </a14:hiddenEffects>
+            </a:ext>
+          </a:extLst>
+        </p:spPr>
+        <p:txBody>
+          <a:bodyPr vert="horz" wrap="none" lIns="91440" tIns="45720" rIns="91440" bIns="45720" numCol="1" anchor="ctr" anchorCtr="0" compatLnSpc="1">
+            <a:prstTxWarp prst="textNoShape">
+              <a:avLst/>
+            </a:prstTxWarp>
+            <a:spAutoFit/>
+          </a:bodyPr>
+          <a:lstStyle/>
+          <a:p>
+            <a:pPr marL="0" marR="0" lvl="0" indent="0" algn="l" defTabSz="914400" rtl="0" eaLnBrk="1" fontAlgn="base" latinLnBrk="0" hangingPunct="1">
+              <a:lnSpc>
+                <a:spcPct val="100000"/>
+              </a:lnSpc>
+              <a:spcBef>
+                <a:spcPct val="0"/>
+              </a:spcBef>
+              <a:spcAft>
+                <a:spcPct val="0"/>
+              </a:spcAft>
+              <a:buClrTx/>
+              <a:buSzTx/>
+              <a:buFontTx/>
+              <a:buNone/>
+              <a:tabLst/>
+            </a:pPr>
+            <a:endParaRPr kumimoji="0" lang="ru-RU" sz="1800" b="0" i="0" u="none" strike="noStrike" cap="none" normalizeH="0" baseline="0" smtClean="0">
+              <a:ln>
+                <a:noFill/>
+              </a:ln>
+              <a:solidFill>
+                <a:schemeClr val="tx1"/>
+              </a:solidFill>
+              <a:effectLst/>
+              <a:latin typeface="Arial" pitchFamily="34" charset="0"/>
+              <a:cs typeface="Arial" pitchFamily="34" charset="0"/>
+            </a:endParaRPr>
+          </a:p>
+        </p:txBody>
+      </p:sp>
+      <p:sp>
+        <p:nvSpPr>
+          <p:cNvPr id="22" name="Rectangle 6"/>
+          <p:cNvSpPr>
+            <a:spLocks noChangeArrowheads="1"/>
+          </p:cNvSpPr>
+          <p:nvPr/>
+        </p:nvSpPr>
+        <p:spPr bwMode="auto">
+          <a:xfrm>
+            <a:off x="184150" y="3374535"/>
+            <a:ext cx="8915400" cy="369332"/>
+          </a:xfrm>
+          <a:prstGeom prst="rect">
+            <a:avLst/>
+          </a:prstGeom>
+          <a:noFill/>
+          <a:ln>
+            <a:noFill/>
+          </a:ln>
+          <a:effectLst/>
+          <a:extLst>
+            <a:ext uri="{909E8E84-426E-40DD-AFC4-6F175D3DCCD1}">
+              <a14:hiddenFill xmlns:a14="http://schemas.microsoft.com/office/drawing/2010/main">
+                <a:solidFill>
+                  <a:schemeClr val="accent1"/>
+                </a:solidFill>
+              </a14:hiddenFill>
+            </a:ext>
+            <a:ext uri="{91240B29-F687-4F45-9708-019B960494DF}">
+              <a14:hiddenLine xmlns:a14="http://schemas.microsoft.com/office/drawing/2010/main" w="9525">
+                <a:solidFill>
+                  <a:schemeClr val="tx1"/>
+                </a:solidFill>
+                <a:miter lim="800000"/>
+                <a:headEnd/>
+                <a:tailEnd/>
+              </a14:hiddenLine>
+            </a:ext>
+            <a:ext uri="{AF507438-7753-43E0-B8FC-AC1667EBCBE1}">
+              <a14:hiddenEffects xmlns:a14="http://schemas.microsoft.com/office/drawing/2010/main">
+                <a:effectLst>
+                  <a:outerShdw dist="35921" dir="2700000" algn="ctr" rotWithShape="0">
+                    <a:schemeClr val="bg2"/>
+                  </a:outerShdw>
+                </a:effectLst>
+              </a14:hiddenEffects>
+            </a:ext>
+          </a:extLst>
+        </p:spPr>
+        <p:txBody>
+          <a:bodyPr wrap="square" anchor="ctr">
+            <a:spAutoFit/>
+          </a:bodyPr>
+          <a:lstStyle/>
+          <a:p>
+            <a:pPr indent="450850"/>
+            <a:r>
+              <a:rPr lang="ru-RU" sz="1800" b="0" dirty="0">
+                <a:cs typeface="Times New Roman" pitchFamily="18" charset="0"/>
+              </a:rPr>
+              <a:t>г</a:t>
+            </a:r>
+            <a:r>
+              <a:rPr lang="ru-RU" sz="1800" b="0" dirty="0" smtClean="0">
+                <a:cs typeface="Times New Roman" pitchFamily="18" charset="0"/>
+              </a:rPr>
+              <a:t>де </a:t>
+            </a:r>
+            <a:r>
+              <a:rPr lang="en-US" sz="1800" b="0" dirty="0" smtClean="0">
+                <a:cs typeface="Times New Roman" pitchFamily="18" charset="0"/>
+              </a:rPr>
+              <a:t>S – </a:t>
+            </a:r>
+            <a:r>
+              <a:rPr lang="ru-RU" sz="1800" b="0" dirty="0" smtClean="0">
+                <a:cs typeface="Times New Roman" pitchFamily="18" charset="0"/>
+              </a:rPr>
+              <a:t>единичный столбец</a:t>
+            </a:r>
+            <a:endParaRPr lang="ru-RU" sz="1800" b="0" dirty="0">
+              <a:cs typeface="Times New Roman" pitchFamily="18" charset="0"/>
+            </a:endParaRPr>
+          </a:p>
+        </p:txBody>
+      </p:sp>
+      <p:graphicFrame>
+        <p:nvGraphicFramePr>
+          <p:cNvPr id="8" name="Объект 7"/>
+          <p:cNvGraphicFramePr>
+            <a:graphicFrameLocks noChangeAspect="1"/>
+          </p:cNvGraphicFramePr>
+          <p:nvPr>
+            <p:extLst>
+              <p:ext uri="{D42A27DB-BD31-4B8C-83A1-F6EECF244321}">
+                <p14:modId xmlns:p14="http://schemas.microsoft.com/office/powerpoint/2010/main" val="2905020052"/>
+              </p:ext>
+            </p:extLst>
+          </p:nvPr>
+        </p:nvGraphicFramePr>
+        <p:xfrm>
+          <a:off x="4022725" y="5459631"/>
+          <a:ext cx="895350" cy="336550"/>
+        </p:xfrm>
+        <a:graphic>
+          <a:graphicData uri="http://schemas.openxmlformats.org/presentationml/2006/ole">
+            <mc:AlternateContent xmlns:mc="http://schemas.openxmlformats.org/markup-compatibility/2006">
+              <mc:Choice xmlns:v="urn:schemas-microsoft-com:vml" Requires="v">
+                <p:oleObj spid="_x0000_s5263" name="Формула" r:id="rId9" imgW="533169" imgH="203112" progId="Equation.3">
+                  <p:embed/>
+                </p:oleObj>
+              </mc:Choice>
+              <mc:Fallback>
+                <p:oleObj name="Формула" r:id="rId9" imgW="533169" imgH="203112" progId="Equation.3">
+                  <p:embed/>
+                  <p:pic>
+                    <p:nvPicPr>
+                      <p:cNvPr id="0" name="Объект 3"/>
+                      <p:cNvPicPr>
+                        <a:picLocks noChangeAspect="1" noChangeArrowheads="1"/>
+                      </p:cNvPicPr>
+                      <p:nvPr/>
+                    </p:nvPicPr>
+                    <p:blipFill>
+                      <a:blip r:embed="rId8">
+                        <a:extLst>
+                          <a:ext uri="{28A0092B-C50C-407E-A947-70E740481C1C}">
+                            <a14:useLocalDpi xmlns:a14="http://schemas.microsoft.com/office/drawing/2010/main" val="0"/>
+                          </a:ext>
+                        </a:extLst>
+                      </a:blip>
+                      <a:srcRect/>
+                      <a:stretch>
+                        <a:fillRect/>
+                      </a:stretch>
+                    </p:blipFill>
+                    <p:spPr bwMode="auto">
+                      <a:xfrm>
+                        <a:off x="4022725" y="5459631"/>
+                        <a:ext cx="895350" cy="336550"/>
                       </a:xfrm>
                       <a:prstGeom prst="rect">
                         <a:avLst/>
@@ -6707,385 +7157,267 @@
           </a:graphicData>
         </a:graphic>
       </p:graphicFrame>
-      <p:sp>
-        <p:nvSpPr>
-          <p:cNvPr id="5145" name="Rectangle 48"/>
-          <p:cNvSpPr>
-            <a:spLocks noChangeArrowheads="1"/>
-          </p:cNvSpPr>
-          <p:nvPr/>
-        </p:nvSpPr>
-        <p:spPr bwMode="auto">
-          <a:xfrm>
-            <a:off x="0" y="3443288"/>
-            <a:ext cx="184150" cy="276225"/>
-          </a:xfrm>
-          <a:prstGeom prst="rect">
-            <a:avLst/>
-          </a:prstGeom>
-          <a:noFill/>
-          <a:ln>
-            <a:noFill/>
-          </a:ln>
-          <a:effectLst/>
-          <a:extLst>
-            <a:ext uri="{909E8E84-426E-40DD-AFC4-6F175D3DCCD1}">
-              <a14:hiddenFill xmlns:a14="http://schemas.microsoft.com/office/drawing/2010/main">
-                <a:solidFill>
-                  <a:schemeClr val="accent1"/>
-                </a:solidFill>
-              </a14:hiddenFill>
-            </a:ext>
-            <a:ext uri="{91240B29-F687-4F45-9708-019B960494DF}">
-              <a14:hiddenLine xmlns:a14="http://schemas.microsoft.com/office/drawing/2010/main" w="9525">
-                <a:solidFill>
-                  <a:schemeClr val="tx1"/>
-                </a:solidFill>
-                <a:miter lim="800000"/>
-                <a:headEnd/>
-                <a:tailEnd/>
-              </a14:hiddenLine>
-            </a:ext>
-            <a:ext uri="{AF507438-7753-43E0-B8FC-AC1667EBCBE1}">
-              <a14:hiddenEffects xmlns:a14="http://schemas.microsoft.com/office/drawing/2010/main">
-                <a:effectLst>
-                  <a:outerShdw dist="35921" dir="2700000" algn="ctr" rotWithShape="0">
-                    <a:schemeClr val="bg2"/>
-                  </a:outerShdw>
-                </a:effectLst>
-              </a14:hiddenEffects>
-            </a:ext>
-          </a:extLst>
-        </p:spPr>
-        <p:txBody>
-          <a:bodyPr wrap="none" anchor="ctr">
-            <a:spAutoFit/>
-          </a:bodyPr>
-          <a:lstStyle/>
-          <a:p>
-            <a:endParaRPr lang="ru-RU">
-              <a:cs typeface="Times New Roman" pitchFamily="18" charset="0"/>
-            </a:endParaRPr>
-          </a:p>
-        </p:txBody>
-      </p:sp>
-      <p:sp>
-        <p:nvSpPr>
-          <p:cNvPr id="5146" name="Rectangle 49"/>
-          <p:cNvSpPr>
-            <a:spLocks noChangeArrowheads="1"/>
-          </p:cNvSpPr>
-          <p:nvPr/>
-        </p:nvSpPr>
-        <p:spPr bwMode="auto">
-          <a:xfrm>
-            <a:off x="0" y="3819525"/>
-            <a:ext cx="184150" cy="368300"/>
-          </a:xfrm>
-          <a:prstGeom prst="rect">
-            <a:avLst/>
-          </a:prstGeom>
-          <a:noFill/>
-          <a:ln>
-            <a:noFill/>
-          </a:ln>
-          <a:effectLst/>
-          <a:extLst>
-            <a:ext uri="{909E8E84-426E-40DD-AFC4-6F175D3DCCD1}">
-              <a14:hiddenFill xmlns:a14="http://schemas.microsoft.com/office/drawing/2010/main">
-                <a:solidFill>
-                  <a:schemeClr val="accent1"/>
-                </a:solidFill>
-              </a14:hiddenFill>
-            </a:ext>
-            <a:ext uri="{91240B29-F687-4F45-9708-019B960494DF}">
-              <a14:hiddenLine xmlns:a14="http://schemas.microsoft.com/office/drawing/2010/main" w="9525">
-                <a:solidFill>
-                  <a:schemeClr val="tx1"/>
-                </a:solidFill>
-                <a:miter lim="800000"/>
-                <a:headEnd/>
-                <a:tailEnd/>
-              </a14:hiddenLine>
-            </a:ext>
-            <a:ext uri="{AF507438-7753-43E0-B8FC-AC1667EBCBE1}">
-              <a14:hiddenEffects xmlns:a14="http://schemas.microsoft.com/office/drawing/2010/main">
-                <a:effectLst>
-                  <a:outerShdw dist="35921" dir="2700000" algn="ctr" rotWithShape="0">
-                    <a:schemeClr val="bg2"/>
-                  </a:outerShdw>
-                </a:effectLst>
-              </a14:hiddenEffects>
-            </a:ext>
-          </a:extLst>
-        </p:spPr>
-        <p:txBody>
-          <a:bodyPr wrap="none" anchor="ctr">
-            <a:spAutoFit/>
-          </a:bodyPr>
-          <a:lstStyle/>
-          <a:p>
-            <a:endParaRPr lang="ru-RU" sz="1800" b="0">
-              <a:cs typeface="Times New Roman" pitchFamily="18" charset="0"/>
-            </a:endParaRPr>
-          </a:p>
-        </p:txBody>
-      </p:sp>
-      <p:sp>
-        <p:nvSpPr>
-          <p:cNvPr id="5147" name="Rectangle 51"/>
-          <p:cNvSpPr>
-            <a:spLocks noChangeArrowheads="1"/>
-          </p:cNvSpPr>
-          <p:nvPr/>
-        </p:nvSpPr>
-        <p:spPr bwMode="auto">
-          <a:xfrm>
-            <a:off x="0" y="2909888"/>
-            <a:ext cx="184150" cy="276225"/>
-          </a:xfrm>
-          <a:prstGeom prst="rect">
-            <a:avLst/>
-          </a:prstGeom>
-          <a:noFill/>
-          <a:ln>
-            <a:noFill/>
-          </a:ln>
-          <a:effectLst/>
-          <a:extLst>
-            <a:ext uri="{909E8E84-426E-40DD-AFC4-6F175D3DCCD1}">
-              <a14:hiddenFill xmlns:a14="http://schemas.microsoft.com/office/drawing/2010/main">
-                <a:solidFill>
-                  <a:schemeClr val="accent1"/>
-                </a:solidFill>
-              </a14:hiddenFill>
-            </a:ext>
-            <a:ext uri="{91240B29-F687-4F45-9708-019B960494DF}">
-              <a14:hiddenLine xmlns:a14="http://schemas.microsoft.com/office/drawing/2010/main" w="9525">
-                <a:solidFill>
-                  <a:schemeClr val="tx1"/>
-                </a:solidFill>
-                <a:miter lim="800000"/>
-                <a:headEnd/>
-                <a:tailEnd/>
-              </a14:hiddenLine>
-            </a:ext>
-            <a:ext uri="{AF507438-7753-43E0-B8FC-AC1667EBCBE1}">
-              <a14:hiddenEffects xmlns:a14="http://schemas.microsoft.com/office/drawing/2010/main">
-                <a:effectLst>
-                  <a:outerShdw dist="35921" dir="2700000" algn="ctr" rotWithShape="0">
-                    <a:schemeClr val="bg2"/>
-                  </a:outerShdw>
-                </a:effectLst>
-              </a14:hiddenEffects>
-            </a:ext>
-          </a:extLst>
-        </p:spPr>
-        <p:txBody>
-          <a:bodyPr wrap="none" anchor="ctr">
-            <a:spAutoFit/>
-          </a:bodyPr>
-          <a:lstStyle/>
-          <a:p>
-            <a:endParaRPr lang="ru-RU">
-              <a:cs typeface="Times New Roman" pitchFamily="18" charset="0"/>
-            </a:endParaRPr>
-          </a:p>
-        </p:txBody>
-      </p:sp>
-      <p:sp>
-        <p:nvSpPr>
-          <p:cNvPr id="5149" name="Rectangle 53"/>
-          <p:cNvSpPr>
-            <a:spLocks noChangeArrowheads="1"/>
-          </p:cNvSpPr>
-          <p:nvPr/>
-        </p:nvSpPr>
-        <p:spPr bwMode="auto">
-          <a:xfrm>
-            <a:off x="0" y="3076575"/>
-            <a:ext cx="184150" cy="276225"/>
-          </a:xfrm>
-          <a:prstGeom prst="rect">
-            <a:avLst/>
-          </a:prstGeom>
-          <a:noFill/>
-          <a:ln>
-            <a:noFill/>
-          </a:ln>
-          <a:effectLst/>
-          <a:extLst>
-            <a:ext uri="{909E8E84-426E-40DD-AFC4-6F175D3DCCD1}">
-              <a14:hiddenFill xmlns:a14="http://schemas.microsoft.com/office/drawing/2010/main">
-                <a:solidFill>
-                  <a:schemeClr val="accent1"/>
-                </a:solidFill>
-              </a14:hiddenFill>
-            </a:ext>
-            <a:ext uri="{91240B29-F687-4F45-9708-019B960494DF}">
-              <a14:hiddenLine xmlns:a14="http://schemas.microsoft.com/office/drawing/2010/main" w="9525">
-                <a:solidFill>
-                  <a:schemeClr val="tx1"/>
-                </a:solidFill>
-                <a:miter lim="800000"/>
-                <a:headEnd/>
-                <a:tailEnd/>
-              </a14:hiddenLine>
-            </a:ext>
-            <a:ext uri="{AF507438-7753-43E0-B8FC-AC1667EBCBE1}">
-              <a14:hiddenEffects xmlns:a14="http://schemas.microsoft.com/office/drawing/2010/main">
-                <a:effectLst>
-                  <a:outerShdw dist="35921" dir="2700000" algn="ctr" rotWithShape="0">
-                    <a:schemeClr val="bg2"/>
-                  </a:outerShdw>
-                </a:effectLst>
-              </a14:hiddenEffects>
-            </a:ext>
-          </a:extLst>
-        </p:spPr>
-        <p:txBody>
-          <a:bodyPr wrap="none" anchor="ctr">
-            <a:spAutoFit/>
-          </a:bodyPr>
-          <a:lstStyle/>
-          <a:p>
-            <a:endParaRPr lang="ru-RU">
-              <a:cs typeface="Times New Roman" pitchFamily="18" charset="0"/>
-            </a:endParaRPr>
-          </a:p>
-        </p:txBody>
-      </p:sp>
-      <p:sp>
-        <p:nvSpPr>
-          <p:cNvPr id="5151" name="Rectangle 55"/>
-          <p:cNvSpPr>
-            <a:spLocks noChangeArrowheads="1"/>
-          </p:cNvSpPr>
-          <p:nvPr/>
-        </p:nvSpPr>
-        <p:spPr bwMode="auto">
-          <a:xfrm>
-            <a:off x="0" y="3076575"/>
-            <a:ext cx="184150" cy="276225"/>
-          </a:xfrm>
-          <a:prstGeom prst="rect">
-            <a:avLst/>
-          </a:prstGeom>
-          <a:noFill/>
-          <a:ln>
-            <a:noFill/>
-          </a:ln>
-          <a:effectLst/>
-          <a:extLst>
-            <a:ext uri="{909E8E84-426E-40DD-AFC4-6F175D3DCCD1}">
-              <a14:hiddenFill xmlns:a14="http://schemas.microsoft.com/office/drawing/2010/main">
-                <a:solidFill>
-                  <a:schemeClr val="accent1"/>
-                </a:solidFill>
-              </a14:hiddenFill>
-            </a:ext>
-            <a:ext uri="{91240B29-F687-4F45-9708-019B960494DF}">
-              <a14:hiddenLine xmlns:a14="http://schemas.microsoft.com/office/drawing/2010/main" w="9525">
-                <a:solidFill>
-                  <a:schemeClr val="tx1"/>
-                </a:solidFill>
-                <a:miter lim="800000"/>
-                <a:headEnd/>
-                <a:tailEnd/>
-              </a14:hiddenLine>
-            </a:ext>
-            <a:ext uri="{AF507438-7753-43E0-B8FC-AC1667EBCBE1}">
-              <a14:hiddenEffects xmlns:a14="http://schemas.microsoft.com/office/drawing/2010/main">
-                <a:effectLst>
-                  <a:outerShdw dist="35921" dir="2700000" algn="ctr" rotWithShape="0">
-                    <a:schemeClr val="bg2"/>
-                  </a:outerShdw>
-                </a:effectLst>
-              </a14:hiddenEffects>
-            </a:ext>
-          </a:extLst>
-        </p:spPr>
-        <p:txBody>
-          <a:bodyPr wrap="none" anchor="ctr">
-            <a:spAutoFit/>
-          </a:bodyPr>
-          <a:lstStyle/>
-          <a:p>
-            <a:endParaRPr lang="ru-RU">
-              <a:cs typeface="Times New Roman" pitchFamily="18" charset="0"/>
-            </a:endParaRPr>
-          </a:p>
-        </p:txBody>
-      </p:sp>
-      <p:sp>
-        <p:nvSpPr>
-          <p:cNvPr id="15" name="Rectangle 6"/>
-          <p:cNvSpPr>
-            <a:spLocks noChangeArrowheads="1"/>
-          </p:cNvSpPr>
-          <p:nvPr/>
-        </p:nvSpPr>
-        <p:spPr bwMode="auto">
-          <a:xfrm>
-            <a:off x="146050" y="4064715"/>
-            <a:ext cx="8915400" cy="584775"/>
-          </a:xfrm>
-          <a:prstGeom prst="rect">
-            <a:avLst/>
-          </a:prstGeom>
-          <a:noFill/>
-          <a:ln>
-            <a:noFill/>
-          </a:ln>
-          <a:effectLst/>
-          <a:extLst>
-            <a:ext uri="{909E8E84-426E-40DD-AFC4-6F175D3DCCD1}">
-              <a14:hiddenFill xmlns:a14="http://schemas.microsoft.com/office/drawing/2010/main">
-                <a:solidFill>
-                  <a:schemeClr val="accent1"/>
-                </a:solidFill>
-              </a14:hiddenFill>
-            </a:ext>
-            <a:ext uri="{91240B29-F687-4F45-9708-019B960494DF}">
-              <a14:hiddenLine xmlns:a14="http://schemas.microsoft.com/office/drawing/2010/main" w="9525">
-                <a:solidFill>
-                  <a:schemeClr val="tx1"/>
-                </a:solidFill>
-                <a:miter lim="800000"/>
-                <a:headEnd/>
-                <a:tailEnd/>
-              </a14:hiddenLine>
-            </a:ext>
-            <a:ext uri="{AF507438-7753-43E0-B8FC-AC1667EBCBE1}">
-              <a14:hiddenEffects xmlns:a14="http://schemas.microsoft.com/office/drawing/2010/main">
-                <a:effectLst>
-                  <a:outerShdw dist="35921" dir="2700000" algn="ctr" rotWithShape="0">
-                    <a:schemeClr val="bg2"/>
-                  </a:outerShdw>
-                </a:effectLst>
-              </a14:hiddenEffects>
-            </a:ext>
-          </a:extLst>
-        </p:spPr>
-        <p:txBody>
-          <a:bodyPr wrap="square" anchor="ctr">
-            <a:spAutoFit/>
-          </a:bodyPr>
-          <a:lstStyle/>
-          <a:p>
-            <a:pPr indent="450850"/>
-            <a:r>
-              <a:rPr lang="ru-RU" sz="1600" b="0" dirty="0" smtClean="0">
-                <a:cs typeface="Times New Roman" pitchFamily="18" charset="0"/>
-              </a:rPr>
-              <a:t>Для большего соответствия реальным условиям можно ввести ограничения неотрицательности весов:</a:t>
-            </a:r>
-            <a:endParaRPr lang="ru-RU" sz="1600" b="0" dirty="0">
-              <a:cs typeface="Times New Roman" pitchFamily="18" charset="0"/>
-            </a:endParaRPr>
-          </a:p>
-        </p:txBody>
-      </p:sp>
+      <p:graphicFrame>
+        <p:nvGraphicFramePr>
+          <p:cNvPr id="9" name="Объект 8"/>
+          <p:cNvGraphicFramePr>
+            <a:graphicFrameLocks noChangeAspect="1"/>
+          </p:cNvGraphicFramePr>
+          <p:nvPr>
+            <p:extLst>
+              <p:ext uri="{D42A27DB-BD31-4B8C-83A1-F6EECF244321}">
+                <p14:modId xmlns:p14="http://schemas.microsoft.com/office/powerpoint/2010/main" val="692905998"/>
+              </p:ext>
+            </p:extLst>
+          </p:nvPr>
+        </p:nvGraphicFramePr>
+        <p:xfrm>
+          <a:off x="3111500" y="4975443"/>
+          <a:ext cx="2717800" cy="425450"/>
+        </p:xfrm>
+        <a:graphic>
+          <a:graphicData uri="http://schemas.openxmlformats.org/presentationml/2006/ole">
+            <mc:AlternateContent xmlns:mc="http://schemas.openxmlformats.org/markup-compatibility/2006">
+              <mc:Choice xmlns:v="urn:schemas-microsoft-com:vml" Requires="v">
+                <p:oleObj spid="_x0000_s5264" name="Формула" r:id="rId10" imgW="1701800" imgH="266700" progId="Equation.3">
+                  <p:embed/>
+                </p:oleObj>
+              </mc:Choice>
+              <mc:Fallback>
+                <p:oleObj name="Формула" r:id="rId10" imgW="1701800" imgH="266700" progId="Equation.3">
+                  <p:embed/>
+                  <p:pic>
+                    <p:nvPicPr>
+                      <p:cNvPr id="0" name="Объект 2"/>
+                      <p:cNvPicPr>
+                        <a:picLocks noChangeAspect="1" noChangeArrowheads="1"/>
+                      </p:cNvPicPr>
+                      <p:nvPr/>
+                    </p:nvPicPr>
+                    <p:blipFill>
+                      <a:blip r:embed="rId6">
+                        <a:extLst>
+                          <a:ext uri="{28A0092B-C50C-407E-A947-70E740481C1C}">
+                            <a14:useLocalDpi xmlns:a14="http://schemas.microsoft.com/office/drawing/2010/main" val="0"/>
+                          </a:ext>
+                        </a:extLst>
+                      </a:blip>
+                      <a:srcRect/>
+                      <a:stretch>
+                        <a:fillRect/>
+                      </a:stretch>
+                    </p:blipFill>
+                    <p:spPr bwMode="auto">
+                      <a:xfrm>
+                        <a:off x="3111500" y="4975443"/>
+                        <a:ext cx="2717800" cy="425450"/>
+                      </a:xfrm>
+                      <a:prstGeom prst="rect">
+                        <a:avLst/>
+                      </a:prstGeom>
+                      <a:noFill/>
+                      <a:ln>
+                        <a:noFill/>
+                      </a:ln>
+                      <a:extLst>
+                        <a:ext uri="{909E8E84-426E-40DD-AFC4-6F175D3DCCD1}">
+                          <a14:hiddenFill xmlns:a14="http://schemas.microsoft.com/office/drawing/2010/main">
+                            <a:solidFill>
+                              <a:srgbClr val="FFFFFF"/>
+                            </a:solidFill>
+                          </a14:hiddenFill>
+                        </a:ext>
+                        <a:ext uri="{91240B29-F687-4F45-9708-019B960494DF}">
+                          <a14:hiddenLine xmlns:a14="http://schemas.microsoft.com/office/drawing/2010/main" w="9525">
+                            <a:solidFill>
+                              <a:srgbClr val="000000"/>
+                            </a:solidFill>
+                            <a:miter lim="800000"/>
+                            <a:headEnd/>
+                            <a:tailEnd/>
+                          </a14:hiddenLine>
+                        </a:ext>
+                      </a:extLst>
+                    </p:spPr>
+                  </p:pic>
+                </p:oleObj>
+              </mc:Fallback>
+            </mc:AlternateContent>
+          </a:graphicData>
+        </a:graphic>
+      </p:graphicFrame>
+      <p:graphicFrame>
+        <p:nvGraphicFramePr>
+          <p:cNvPr id="10" name="Объект 9"/>
+          <p:cNvGraphicFramePr>
+            <a:graphicFrameLocks noChangeAspect="1"/>
+          </p:cNvGraphicFramePr>
+          <p:nvPr>
+            <p:extLst>
+              <p:ext uri="{D42A27DB-BD31-4B8C-83A1-F6EECF244321}">
+                <p14:modId xmlns:p14="http://schemas.microsoft.com/office/powerpoint/2010/main" val="806315866"/>
+              </p:ext>
+            </p:extLst>
+          </p:nvPr>
+        </p:nvGraphicFramePr>
+        <p:xfrm>
+          <a:off x="3963194" y="4465856"/>
+          <a:ext cx="1014413" cy="477837"/>
+        </p:xfrm>
+        <a:graphic>
+          <a:graphicData uri="http://schemas.openxmlformats.org/presentationml/2006/ole">
+            <mc:AlternateContent xmlns:mc="http://schemas.openxmlformats.org/markup-compatibility/2006">
+              <mc:Choice xmlns:v="urn:schemas-microsoft-com:vml" Requires="v">
+                <p:oleObj spid="_x0000_s5265" name="Формула" r:id="rId11" imgW="609480" imgH="291960" progId="Equation.3">
+                  <p:embed/>
+                </p:oleObj>
+              </mc:Choice>
+              <mc:Fallback>
+                <p:oleObj name="Формула" r:id="rId11" imgW="609480" imgH="291960" progId="Equation.3">
+                  <p:embed/>
+                  <p:pic>
+                    <p:nvPicPr>
+                      <p:cNvPr id="0" name="Объект 1"/>
+                      <p:cNvPicPr>
+                        <a:picLocks noChangeAspect="1" noChangeArrowheads="1"/>
+                      </p:cNvPicPr>
+                      <p:nvPr/>
+                    </p:nvPicPr>
+                    <p:blipFill>
+                      <a:blip r:embed="rId12">
+                        <a:extLst>
+                          <a:ext uri="{28A0092B-C50C-407E-A947-70E740481C1C}">
+                            <a14:useLocalDpi xmlns:a14="http://schemas.microsoft.com/office/drawing/2010/main" val="0"/>
+                          </a:ext>
+                        </a:extLst>
+                      </a:blip>
+                      <a:srcRect/>
+                      <a:stretch>
+                        <a:fillRect/>
+                      </a:stretch>
+                    </p:blipFill>
+                    <p:spPr bwMode="auto">
+                      <a:xfrm>
+                        <a:off x="3963194" y="4465856"/>
+                        <a:ext cx="1014413" cy="477837"/>
+                      </a:xfrm>
+                      <a:prstGeom prst="rect">
+                        <a:avLst/>
+                      </a:prstGeom>
+                      <a:noFill/>
+                      <a:ln>
+                        <a:noFill/>
+                      </a:ln>
+                      <a:extLst>
+                        <a:ext uri="{909E8E84-426E-40DD-AFC4-6F175D3DCCD1}">
+                          <a14:hiddenFill xmlns:a14="http://schemas.microsoft.com/office/drawing/2010/main">
+                            <a:solidFill>
+                              <a:srgbClr val="FFFFFF"/>
+                            </a:solidFill>
+                          </a14:hiddenFill>
+                        </a:ext>
+                        <a:ext uri="{91240B29-F687-4F45-9708-019B960494DF}">
+                          <a14:hiddenLine xmlns:a14="http://schemas.microsoft.com/office/drawing/2010/main" w="9525">
+                            <a:solidFill>
+                              <a:srgbClr val="000000"/>
+                            </a:solidFill>
+                            <a:miter lim="800000"/>
+                            <a:headEnd/>
+                            <a:tailEnd/>
+                          </a14:hiddenLine>
+                        </a:ext>
+                      </a:extLst>
+                    </p:spPr>
+                  </p:pic>
+                </p:oleObj>
+              </mc:Fallback>
+            </mc:AlternateContent>
+          </a:graphicData>
+        </a:graphic>
+      </p:graphicFrame>
+      <p:graphicFrame>
+        <p:nvGraphicFramePr>
+          <p:cNvPr id="11" name="Объект 10"/>
+          <p:cNvGraphicFramePr>
+            <a:graphicFrameLocks noChangeAspect="1"/>
+          </p:cNvGraphicFramePr>
+          <p:nvPr>
+            <p:extLst>
+              <p:ext uri="{D42A27DB-BD31-4B8C-83A1-F6EECF244321}">
+                <p14:modId xmlns:p14="http://schemas.microsoft.com/office/powerpoint/2010/main" val="1784715370"/>
+              </p:ext>
+            </p:extLst>
+          </p:nvPr>
+        </p:nvGraphicFramePr>
+        <p:xfrm>
+          <a:off x="4151313" y="5867400"/>
+          <a:ext cx="638175" cy="295275"/>
+        </p:xfrm>
+        <a:graphic>
+          <a:graphicData uri="http://schemas.openxmlformats.org/presentationml/2006/ole">
+            <mc:AlternateContent xmlns:mc="http://schemas.openxmlformats.org/markup-compatibility/2006">
+              <mc:Choice xmlns:v="urn:schemas-microsoft-com:vml" Requires="v">
+                <p:oleObj spid="_x0000_s5266" name="Формула" r:id="rId13" imgW="380880" imgH="177480" progId="Equation.3">
+                  <p:embed/>
+                </p:oleObj>
+              </mc:Choice>
+              <mc:Fallback>
+                <p:oleObj name="Формула" r:id="rId13" imgW="380880" imgH="177480" progId="Equation.3">
+                  <p:embed/>
+                  <p:pic>
+                    <p:nvPicPr>
+                      <p:cNvPr id="0" name="Объект 7"/>
+                      <p:cNvPicPr>
+                        <a:picLocks noChangeAspect="1" noChangeArrowheads="1"/>
+                      </p:cNvPicPr>
+                      <p:nvPr/>
+                    </p:nvPicPr>
+                    <p:blipFill>
+                      <a:blip r:embed="rId14"/>
+                      <a:srcRect/>
+                      <a:stretch>
+                        <a:fillRect/>
+                      </a:stretch>
+                    </p:blipFill>
+                    <p:spPr bwMode="auto">
+                      <a:xfrm>
+                        <a:off x="4151313" y="5867400"/>
+                        <a:ext cx="638175" cy="295275"/>
+                      </a:xfrm>
+                      <a:prstGeom prst="rect">
+                        <a:avLst/>
+                      </a:prstGeom>
+                      <a:noFill/>
+                      <a:ln>
+                        <a:noFill/>
+                      </a:ln>
+                      <a:extLst>
+                        <a:ext uri="{909E8E84-426E-40DD-AFC4-6F175D3DCCD1}">
+                          <a14:hiddenFill xmlns:a14="http://schemas.microsoft.com/office/drawing/2010/main">
+                            <a:solidFill>
+                              <a:srgbClr val="FFFFFF"/>
+                            </a:solidFill>
+                          </a14:hiddenFill>
+                        </a:ext>
+                        <a:ext uri="{91240B29-F687-4F45-9708-019B960494DF}">
+                          <a14:hiddenLine xmlns:a14="http://schemas.microsoft.com/office/drawing/2010/main" w="9525">
+                            <a:solidFill>
+                              <a:srgbClr val="000000"/>
+                            </a:solidFill>
+                            <a:miter lim="800000"/>
+                            <a:headEnd/>
+                            <a:tailEnd/>
+                          </a14:hiddenLine>
+                        </a:ext>
+                      </a:extLst>
+                    </p:spPr>
+                  </p:pic>
+                </p:oleObj>
+              </mc:Fallback>
+            </mc:AlternateContent>
+          </a:graphicData>
+        </a:graphic>
+      </p:graphicFrame>
     </p:spTree>
   </p:cSld>
   <p:clrMapOvr>
@@ -7238,66 +7570,6 @@
       </p:sp>
       <p:sp>
         <p:nvSpPr>
-          <p:cNvPr id="6148" name="Rectangle 21"/>
-          <p:cNvSpPr>
-            <a:spLocks noChangeArrowheads="1"/>
-          </p:cNvSpPr>
-          <p:nvPr/>
-        </p:nvSpPr>
-        <p:spPr bwMode="auto">
-          <a:xfrm>
-            <a:off x="0" y="3205163"/>
-            <a:ext cx="9144000" cy="0"/>
-          </a:xfrm>
-          <a:prstGeom prst="rect">
-            <a:avLst/>
-          </a:prstGeom>
-          <a:noFill/>
-          <a:ln>
-            <a:noFill/>
-          </a:ln>
-          <a:effectLst/>
-          <a:extLst>
-            <a:ext uri="{909E8E84-426E-40DD-AFC4-6F175D3DCCD1}">
-              <a14:hiddenFill xmlns:a14="http://schemas.microsoft.com/office/drawing/2010/main">
-                <a:solidFill>
-                  <a:schemeClr val="accent1"/>
-                </a:solidFill>
-              </a14:hiddenFill>
-            </a:ext>
-            <a:ext uri="{91240B29-F687-4F45-9708-019B960494DF}">
-              <a14:hiddenLine xmlns:a14="http://schemas.microsoft.com/office/drawing/2010/main" w="9525">
-                <a:solidFill>
-                  <a:schemeClr val="tx1"/>
-                </a:solidFill>
-                <a:miter lim="800000"/>
-                <a:headEnd/>
-                <a:tailEnd/>
-              </a14:hiddenLine>
-            </a:ext>
-            <a:ext uri="{AF507438-7753-43E0-B8FC-AC1667EBCBE1}">
-              <a14:hiddenEffects xmlns:a14="http://schemas.microsoft.com/office/drawing/2010/main">
-                <a:effectLst>
-                  <a:outerShdw dist="35921" dir="2700000" algn="ctr" rotWithShape="0">
-                    <a:schemeClr val="bg2"/>
-                  </a:outerShdw>
-                </a:effectLst>
-              </a14:hiddenEffects>
-            </a:ext>
-          </a:extLst>
-        </p:spPr>
-        <p:txBody>
-          <a:bodyPr wrap="none" anchor="ctr">
-            <a:spAutoFit/>
-          </a:bodyPr>
-          <a:lstStyle/>
-          <a:p>
-            <a:endParaRPr lang="ru-RU"/>
-          </a:p>
-        </p:txBody>
-      </p:sp>
-      <p:sp>
-        <p:nvSpPr>
           <p:cNvPr id="6149" name="Rectangle 23"/>
           <p:cNvSpPr>
             <a:spLocks noChangeArrowheads="1"/>
@@ -7790,8 +8062,8 @@
         </p:nvSpPr>
         <p:spPr bwMode="auto">
           <a:xfrm>
-            <a:off x="76200" y="1415842"/>
-            <a:ext cx="8915400" cy="338554"/>
+            <a:off x="76200" y="1261953"/>
+            <a:ext cx="8915400" cy="646331"/>
           </a:xfrm>
           <a:prstGeom prst="rect">
             <a:avLst/>
@@ -7838,12 +8110,12 @@
           <a:p>
             <a:pPr indent="450850"/>
             <a:r>
-              <a:rPr lang="ru-RU" sz="1600" b="0" dirty="0" smtClean="0">
+              <a:rPr lang="ru-RU" sz="1800" b="0" dirty="0" smtClean="0">
                 <a:cs typeface="Times New Roman" pitchFamily="18" charset="0"/>
               </a:rPr>
               <a:t>Задачей вычисления минимального риска является следующая оптимизационная задача:</a:t>
             </a:r>
-            <a:endParaRPr lang="ru-RU" sz="1600" b="0" dirty="0">
+            <a:endParaRPr lang="ru-RU" sz="1800" b="0" dirty="0">
               <a:cs typeface="Times New Roman" pitchFamily="18" charset="0"/>
             </a:endParaRPr>
           </a:p>
@@ -7859,8 +8131,8 @@
         </p:nvSpPr>
         <p:spPr bwMode="auto">
           <a:xfrm>
-            <a:off x="146050" y="4064715"/>
-            <a:ext cx="8915400" cy="584775"/>
+            <a:off x="146050" y="4033937"/>
+            <a:ext cx="8915400" cy="646331"/>
           </a:xfrm>
           <a:prstGeom prst="rect">
             <a:avLst/>
@@ -7907,17 +8179,757 @@
           <a:p>
             <a:pPr indent="450850"/>
             <a:r>
-              <a:rPr lang="ru-RU" sz="1600" b="0" dirty="0" smtClean="0">
+              <a:rPr lang="ru-RU" sz="1800" b="0" dirty="0" smtClean="0">
                 <a:cs typeface="Times New Roman" pitchFamily="18" charset="0"/>
               </a:rPr>
               <a:t>Для большего соответствия реальным условиям можно ввести ограничения неотрицательности весов:</a:t>
             </a:r>
-            <a:endParaRPr lang="ru-RU" sz="1600" b="0" dirty="0">
+            <a:endParaRPr lang="ru-RU" sz="1800" b="0" dirty="0">
               <a:cs typeface="Times New Roman" pitchFamily="18" charset="0"/>
             </a:endParaRPr>
           </a:p>
         </p:txBody>
       </p:sp>
+      <p:graphicFrame>
+        <p:nvGraphicFramePr>
+          <p:cNvPr id="2" name="Объект 1"/>
+          <p:cNvGraphicFramePr>
+            <a:graphicFrameLocks noChangeAspect="1"/>
+          </p:cNvGraphicFramePr>
+          <p:nvPr>
+            <p:extLst>
+              <p:ext uri="{D42A27DB-BD31-4B8C-83A1-F6EECF244321}">
+                <p14:modId xmlns:p14="http://schemas.microsoft.com/office/powerpoint/2010/main" val="4059034408"/>
+              </p:ext>
+            </p:extLst>
+          </p:nvPr>
+        </p:nvGraphicFramePr>
+        <p:xfrm>
+          <a:off x="2590800" y="2027238"/>
+          <a:ext cx="3505200" cy="505116"/>
+        </p:xfrm>
+        <a:graphic>
+          <a:graphicData uri="http://schemas.openxmlformats.org/presentationml/2006/ole">
+            <mc:AlternateContent xmlns:mc="http://schemas.openxmlformats.org/markup-compatibility/2006">
+              <mc:Choice xmlns:v="urn:schemas-microsoft-com:vml" Requires="v">
+                <p:oleObj spid="_x0000_s6172" name="Формула" r:id="rId4" imgW="2183452" imgH="317362" progId="Equation.3">
+                  <p:embed/>
+                </p:oleObj>
+              </mc:Choice>
+              <mc:Fallback>
+                <p:oleObj name="Формула" r:id="rId4" imgW="2183452" imgH="317362" progId="Equation.3">
+                  <p:embed/>
+                  <p:pic>
+                    <p:nvPicPr>
+                      <p:cNvPr id="0" name="Object 2"/>
+                      <p:cNvPicPr>
+                        <a:picLocks noChangeAspect="1" noChangeArrowheads="1"/>
+                      </p:cNvPicPr>
+                      <p:nvPr/>
+                    </p:nvPicPr>
+                    <p:blipFill>
+                      <a:blip r:embed="rId5">
+                        <a:extLst>
+                          <a:ext uri="{28A0092B-C50C-407E-A947-70E740481C1C}">
+                            <a14:useLocalDpi xmlns:a14="http://schemas.microsoft.com/office/drawing/2010/main" val="0"/>
+                          </a:ext>
+                        </a:extLst>
+                      </a:blip>
+                      <a:srcRect/>
+                      <a:stretch>
+                        <a:fillRect/>
+                      </a:stretch>
+                    </p:blipFill>
+                    <p:spPr bwMode="auto">
+                      <a:xfrm>
+                        <a:off x="2590800" y="2027238"/>
+                        <a:ext cx="3505200" cy="505116"/>
+                      </a:xfrm>
+                      <a:prstGeom prst="rect">
+                        <a:avLst/>
+                      </a:prstGeom>
+                      <a:noFill/>
+                    </p:spPr>
+                  </p:pic>
+                </p:oleObj>
+              </mc:Fallback>
+            </mc:AlternateContent>
+          </a:graphicData>
+        </a:graphic>
+      </p:graphicFrame>
+      <p:graphicFrame>
+        <p:nvGraphicFramePr>
+          <p:cNvPr id="3" name="Объект 2"/>
+          <p:cNvGraphicFramePr>
+            <a:graphicFrameLocks noChangeAspect="1"/>
+          </p:cNvGraphicFramePr>
+          <p:nvPr>
+            <p:extLst>
+              <p:ext uri="{D42A27DB-BD31-4B8C-83A1-F6EECF244321}">
+                <p14:modId xmlns:p14="http://schemas.microsoft.com/office/powerpoint/2010/main" val="512585297"/>
+              </p:ext>
+            </p:extLst>
+          </p:nvPr>
+        </p:nvGraphicFramePr>
+        <p:xfrm>
+          <a:off x="3883025" y="2514600"/>
+          <a:ext cx="920750" cy="345281"/>
+        </p:xfrm>
+        <a:graphic>
+          <a:graphicData uri="http://schemas.openxmlformats.org/presentationml/2006/ole">
+            <mc:AlternateContent xmlns:mc="http://schemas.openxmlformats.org/markup-compatibility/2006">
+              <mc:Choice xmlns:v="urn:schemas-microsoft-com:vml" Requires="v">
+                <p:oleObj spid="_x0000_s6173" name="Формула" r:id="rId6" imgW="533169" imgH="203112" progId="Equation.3">
+                  <p:embed/>
+                </p:oleObj>
+              </mc:Choice>
+              <mc:Fallback>
+                <p:oleObj name="Формула" r:id="rId6" imgW="533169" imgH="203112" progId="Equation.3">
+                  <p:embed/>
+                  <p:pic>
+                    <p:nvPicPr>
+                      <p:cNvPr id="0" name="Object 1"/>
+                      <p:cNvPicPr>
+                        <a:picLocks noChangeAspect="1" noChangeArrowheads="1"/>
+                      </p:cNvPicPr>
+                      <p:nvPr/>
+                    </p:nvPicPr>
+                    <p:blipFill>
+                      <a:blip r:embed="rId7">
+                        <a:extLst>
+                          <a:ext uri="{28A0092B-C50C-407E-A947-70E740481C1C}">
+                            <a14:useLocalDpi xmlns:a14="http://schemas.microsoft.com/office/drawing/2010/main" val="0"/>
+                          </a:ext>
+                        </a:extLst>
+                      </a:blip>
+                      <a:srcRect/>
+                      <a:stretch>
+                        <a:fillRect/>
+                      </a:stretch>
+                    </p:blipFill>
+                    <p:spPr bwMode="auto">
+                      <a:xfrm>
+                        <a:off x="3883025" y="2514600"/>
+                        <a:ext cx="920750" cy="345281"/>
+                      </a:xfrm>
+                      <a:prstGeom prst="rect">
+                        <a:avLst/>
+                      </a:prstGeom>
+                      <a:noFill/>
+                    </p:spPr>
+                  </p:pic>
+                </p:oleObj>
+              </mc:Fallback>
+            </mc:AlternateContent>
+          </a:graphicData>
+        </a:graphic>
+      </p:graphicFrame>
+      <p:sp>
+        <p:nvSpPr>
+          <p:cNvPr id="4" name="Rectangle 3"/>
+          <p:cNvSpPr>
+            <a:spLocks noChangeArrowheads="1"/>
+          </p:cNvSpPr>
+          <p:nvPr/>
+        </p:nvSpPr>
+        <p:spPr bwMode="auto">
+          <a:xfrm>
+            <a:off x="0" y="0"/>
+            <a:ext cx="9144000" cy="457200"/>
+          </a:xfrm>
+          <a:prstGeom prst="rect">
+            <a:avLst/>
+          </a:prstGeom>
+          <a:noFill/>
+          <a:ln>
+            <a:noFill/>
+          </a:ln>
+          <a:effectLst/>
+          <a:extLst>
+            <a:ext uri="{909E8E84-426E-40DD-AFC4-6F175D3DCCD1}">
+              <a14:hiddenFill xmlns:a14="http://schemas.microsoft.com/office/drawing/2010/main">
+                <a:solidFill>
+                  <a:schemeClr val="accent1"/>
+                </a:solidFill>
+              </a14:hiddenFill>
+            </a:ext>
+            <a:ext uri="{91240B29-F687-4F45-9708-019B960494DF}">
+              <a14:hiddenLine xmlns:a14="http://schemas.microsoft.com/office/drawing/2010/main" w="9525">
+                <a:solidFill>
+                  <a:schemeClr val="tx1"/>
+                </a:solidFill>
+                <a:miter lim="800000"/>
+                <a:headEnd/>
+                <a:tailEnd/>
+              </a14:hiddenLine>
+            </a:ext>
+            <a:ext uri="{AF507438-7753-43E0-B8FC-AC1667EBCBE1}">
+              <a14:hiddenEffects xmlns:a14="http://schemas.microsoft.com/office/drawing/2010/main">
+                <a:effectLst>
+                  <a:outerShdw dist="35921" dir="2700000" algn="ctr" rotWithShape="0">
+                    <a:schemeClr val="bg2"/>
+                  </a:outerShdw>
+                </a:effectLst>
+              </a14:hiddenEffects>
+            </a:ext>
+          </a:extLst>
+        </p:spPr>
+        <p:txBody>
+          <a:bodyPr vert="horz" wrap="none" lIns="91440" tIns="45720" rIns="91440" bIns="45720" numCol="1" anchor="ctr" anchorCtr="0" compatLnSpc="1">
+            <a:prstTxWarp prst="textNoShape">
+              <a:avLst/>
+            </a:prstTxWarp>
+            <a:spAutoFit/>
+          </a:bodyPr>
+          <a:lstStyle/>
+          <a:p>
+            <a:endParaRPr lang="ru-RU"/>
+          </a:p>
+        </p:txBody>
+      </p:sp>
+      <p:sp>
+        <p:nvSpPr>
+          <p:cNvPr id="5" name="Rectangle 4"/>
+          <p:cNvSpPr>
+            <a:spLocks noChangeArrowheads="1"/>
+          </p:cNvSpPr>
+          <p:nvPr/>
+        </p:nvSpPr>
+        <p:spPr bwMode="auto">
+          <a:xfrm>
+            <a:off x="0" y="771525"/>
+            <a:ext cx="9144000" cy="0"/>
+          </a:xfrm>
+          <a:prstGeom prst="rect">
+            <a:avLst/>
+          </a:prstGeom>
+          <a:noFill/>
+          <a:ln>
+            <a:noFill/>
+          </a:ln>
+          <a:effectLst/>
+          <a:extLst>
+            <a:ext uri="{909E8E84-426E-40DD-AFC4-6F175D3DCCD1}">
+              <a14:hiddenFill xmlns:a14="http://schemas.microsoft.com/office/drawing/2010/main">
+                <a:solidFill>
+                  <a:schemeClr val="accent1"/>
+                </a:solidFill>
+              </a14:hiddenFill>
+            </a:ext>
+            <a:ext uri="{91240B29-F687-4F45-9708-019B960494DF}">
+              <a14:hiddenLine xmlns:a14="http://schemas.microsoft.com/office/drawing/2010/main" w="9525">
+                <a:solidFill>
+                  <a:schemeClr val="tx1"/>
+                </a:solidFill>
+                <a:miter lim="800000"/>
+                <a:headEnd/>
+                <a:tailEnd/>
+              </a14:hiddenLine>
+            </a:ext>
+            <a:ext uri="{AF507438-7753-43E0-B8FC-AC1667EBCBE1}">
+              <a14:hiddenEffects xmlns:a14="http://schemas.microsoft.com/office/drawing/2010/main">
+                <a:effectLst>
+                  <a:outerShdw dist="35921" dir="2700000" algn="ctr" rotWithShape="0">
+                    <a:schemeClr val="bg2"/>
+                  </a:outerShdw>
+                </a:effectLst>
+              </a14:hiddenEffects>
+            </a:ext>
+          </a:extLst>
+        </p:spPr>
+        <p:txBody>
+          <a:bodyPr vert="horz" wrap="none" lIns="91440" tIns="45720" rIns="91440" bIns="45720" numCol="1" anchor="ctr" anchorCtr="0" compatLnSpc="1">
+            <a:prstTxWarp prst="textNoShape">
+              <a:avLst/>
+            </a:prstTxWarp>
+            <a:spAutoFit/>
+          </a:bodyPr>
+          <a:lstStyle/>
+          <a:p>
+            <a:endParaRPr lang="ru-RU"/>
+          </a:p>
+        </p:txBody>
+      </p:sp>
+      <p:sp>
+        <p:nvSpPr>
+          <p:cNvPr id="6" name="Rectangle 6"/>
+          <p:cNvSpPr>
+            <a:spLocks noChangeArrowheads="1"/>
+          </p:cNvSpPr>
+          <p:nvPr/>
+        </p:nvSpPr>
+        <p:spPr bwMode="auto">
+          <a:xfrm>
+            <a:off x="0" y="0"/>
+            <a:ext cx="9144000" cy="0"/>
+          </a:xfrm>
+          <a:prstGeom prst="rect">
+            <a:avLst/>
+          </a:prstGeom>
+          <a:noFill/>
+          <a:ln>
+            <a:noFill/>
+          </a:ln>
+          <a:effectLst/>
+          <a:extLst>
+            <a:ext uri="{909E8E84-426E-40DD-AFC4-6F175D3DCCD1}">
+              <a14:hiddenFill xmlns:a14="http://schemas.microsoft.com/office/drawing/2010/main">
+                <a:solidFill>
+                  <a:schemeClr val="accent1"/>
+                </a:solidFill>
+              </a14:hiddenFill>
+            </a:ext>
+            <a:ext uri="{91240B29-F687-4F45-9708-019B960494DF}">
+              <a14:hiddenLine xmlns:a14="http://schemas.microsoft.com/office/drawing/2010/main" w="9525">
+                <a:solidFill>
+                  <a:schemeClr val="tx1"/>
+                </a:solidFill>
+                <a:miter lim="800000"/>
+                <a:headEnd/>
+                <a:tailEnd/>
+              </a14:hiddenLine>
+            </a:ext>
+            <a:ext uri="{AF507438-7753-43E0-B8FC-AC1667EBCBE1}">
+              <a14:hiddenEffects xmlns:a14="http://schemas.microsoft.com/office/drawing/2010/main">
+                <a:effectLst>
+                  <a:outerShdw dist="35921" dir="2700000" algn="ctr" rotWithShape="0">
+                    <a:schemeClr val="bg2"/>
+                  </a:outerShdw>
+                </a:effectLst>
+              </a14:hiddenEffects>
+            </a:ext>
+          </a:extLst>
+        </p:spPr>
+        <p:txBody>
+          <a:bodyPr vert="horz" wrap="none" lIns="91440" tIns="45720" rIns="91440" bIns="45720" numCol="1" anchor="ctr" anchorCtr="0" compatLnSpc="1">
+            <a:prstTxWarp prst="textNoShape">
+              <a:avLst/>
+            </a:prstTxWarp>
+            <a:spAutoFit/>
+          </a:bodyPr>
+          <a:lstStyle/>
+          <a:p>
+            <a:endParaRPr lang="ru-RU"/>
+          </a:p>
+        </p:txBody>
+      </p:sp>
+      <p:sp>
+        <p:nvSpPr>
+          <p:cNvPr id="9" name="Rectangle 9"/>
+          <p:cNvSpPr>
+            <a:spLocks noChangeArrowheads="1"/>
+          </p:cNvSpPr>
+          <p:nvPr/>
+        </p:nvSpPr>
+        <p:spPr bwMode="auto">
+          <a:xfrm>
+            <a:off x="152400" y="152400"/>
+            <a:ext cx="9144000" cy="0"/>
+          </a:xfrm>
+          <a:prstGeom prst="rect">
+            <a:avLst/>
+          </a:prstGeom>
+          <a:noFill/>
+          <a:ln>
+            <a:noFill/>
+          </a:ln>
+          <a:effectLst/>
+          <a:extLst>
+            <a:ext uri="{909E8E84-426E-40DD-AFC4-6F175D3DCCD1}">
+              <a14:hiddenFill xmlns:a14="http://schemas.microsoft.com/office/drawing/2010/main">
+                <a:solidFill>
+                  <a:schemeClr val="accent1"/>
+                </a:solidFill>
+              </a14:hiddenFill>
+            </a:ext>
+            <a:ext uri="{91240B29-F687-4F45-9708-019B960494DF}">
+              <a14:hiddenLine xmlns:a14="http://schemas.microsoft.com/office/drawing/2010/main" w="9525">
+                <a:solidFill>
+                  <a:schemeClr val="tx1"/>
+                </a:solidFill>
+                <a:miter lim="800000"/>
+                <a:headEnd/>
+                <a:tailEnd/>
+              </a14:hiddenLine>
+            </a:ext>
+            <a:ext uri="{AF507438-7753-43E0-B8FC-AC1667EBCBE1}">
+              <a14:hiddenEffects xmlns:a14="http://schemas.microsoft.com/office/drawing/2010/main">
+                <a:effectLst>
+                  <a:outerShdw dist="35921" dir="2700000" algn="ctr" rotWithShape="0">
+                    <a:schemeClr val="bg2"/>
+                  </a:outerShdw>
+                </a:effectLst>
+              </a14:hiddenEffects>
+            </a:ext>
+          </a:extLst>
+        </p:spPr>
+        <p:txBody>
+          <a:bodyPr vert="horz" wrap="none" lIns="91440" tIns="45720" rIns="91440" bIns="45720" numCol="1" anchor="ctr" anchorCtr="0" compatLnSpc="1">
+            <a:prstTxWarp prst="textNoShape">
+              <a:avLst/>
+            </a:prstTxWarp>
+            <a:spAutoFit/>
+          </a:bodyPr>
+          <a:lstStyle/>
+          <a:p>
+            <a:endParaRPr lang="ru-RU"/>
+          </a:p>
+        </p:txBody>
+      </p:sp>
+      <p:sp>
+        <p:nvSpPr>
+          <p:cNvPr id="24" name="Rectangle 6"/>
+          <p:cNvSpPr>
+            <a:spLocks noChangeArrowheads="1"/>
+          </p:cNvSpPr>
+          <p:nvPr/>
+        </p:nvSpPr>
+        <p:spPr bwMode="auto">
+          <a:xfrm>
+            <a:off x="184150" y="3374535"/>
+            <a:ext cx="8915400" cy="369332"/>
+          </a:xfrm>
+          <a:prstGeom prst="rect">
+            <a:avLst/>
+          </a:prstGeom>
+          <a:noFill/>
+          <a:ln>
+            <a:noFill/>
+          </a:ln>
+          <a:effectLst/>
+          <a:extLst>
+            <a:ext uri="{909E8E84-426E-40DD-AFC4-6F175D3DCCD1}">
+              <a14:hiddenFill xmlns:a14="http://schemas.microsoft.com/office/drawing/2010/main">
+                <a:solidFill>
+                  <a:schemeClr val="accent1"/>
+                </a:solidFill>
+              </a14:hiddenFill>
+            </a:ext>
+            <a:ext uri="{91240B29-F687-4F45-9708-019B960494DF}">
+              <a14:hiddenLine xmlns:a14="http://schemas.microsoft.com/office/drawing/2010/main" w="9525">
+                <a:solidFill>
+                  <a:schemeClr val="tx1"/>
+                </a:solidFill>
+                <a:miter lim="800000"/>
+                <a:headEnd/>
+                <a:tailEnd/>
+              </a14:hiddenLine>
+            </a:ext>
+            <a:ext uri="{AF507438-7753-43E0-B8FC-AC1667EBCBE1}">
+              <a14:hiddenEffects xmlns:a14="http://schemas.microsoft.com/office/drawing/2010/main">
+                <a:effectLst>
+                  <a:outerShdw dist="35921" dir="2700000" algn="ctr" rotWithShape="0">
+                    <a:schemeClr val="bg2"/>
+                  </a:outerShdw>
+                </a:effectLst>
+              </a14:hiddenEffects>
+            </a:ext>
+          </a:extLst>
+        </p:spPr>
+        <p:txBody>
+          <a:bodyPr wrap="square" anchor="ctr">
+            <a:spAutoFit/>
+          </a:bodyPr>
+          <a:lstStyle/>
+          <a:p>
+            <a:pPr indent="450850"/>
+            <a:r>
+              <a:rPr lang="ru-RU" sz="1800" b="0" dirty="0">
+                <a:cs typeface="Times New Roman" pitchFamily="18" charset="0"/>
+              </a:rPr>
+              <a:t>г</a:t>
+            </a:r>
+            <a:r>
+              <a:rPr lang="ru-RU" sz="1800" b="0" dirty="0" smtClean="0">
+                <a:cs typeface="Times New Roman" pitchFamily="18" charset="0"/>
+              </a:rPr>
+              <a:t>де </a:t>
+            </a:r>
+            <a:r>
+              <a:rPr lang="en-US" sz="1800" b="0" dirty="0" smtClean="0">
+                <a:cs typeface="Times New Roman" pitchFamily="18" charset="0"/>
+              </a:rPr>
+              <a:t>S – </a:t>
+            </a:r>
+            <a:r>
+              <a:rPr lang="ru-RU" sz="1800" b="0" dirty="0" smtClean="0">
+                <a:cs typeface="Times New Roman" pitchFamily="18" charset="0"/>
+              </a:rPr>
+              <a:t>единичный столбец</a:t>
+            </a:r>
+            <a:endParaRPr lang="ru-RU" sz="1800" b="0" dirty="0">
+              <a:cs typeface="Times New Roman" pitchFamily="18" charset="0"/>
+            </a:endParaRPr>
+          </a:p>
+        </p:txBody>
+      </p:sp>
+      <p:graphicFrame>
+        <p:nvGraphicFramePr>
+          <p:cNvPr id="12" name="Объект 11"/>
+          <p:cNvGraphicFramePr>
+            <a:graphicFrameLocks noChangeAspect="1"/>
+          </p:cNvGraphicFramePr>
+          <p:nvPr>
+            <p:extLst>
+              <p:ext uri="{D42A27DB-BD31-4B8C-83A1-F6EECF244321}">
+                <p14:modId xmlns:p14="http://schemas.microsoft.com/office/powerpoint/2010/main" val="4184908589"/>
+              </p:ext>
+            </p:extLst>
+          </p:nvPr>
+        </p:nvGraphicFramePr>
+        <p:xfrm>
+          <a:off x="3724275" y="5181600"/>
+          <a:ext cx="920750" cy="346075"/>
+        </p:xfrm>
+        <a:graphic>
+          <a:graphicData uri="http://schemas.openxmlformats.org/presentationml/2006/ole">
+            <mc:AlternateContent xmlns:mc="http://schemas.openxmlformats.org/markup-compatibility/2006">
+              <mc:Choice xmlns:v="urn:schemas-microsoft-com:vml" Requires="v">
+                <p:oleObj spid="_x0000_s6174" name="Формула" r:id="rId8" imgW="533169" imgH="203112" progId="Equation.3">
+                  <p:embed/>
+                </p:oleObj>
+              </mc:Choice>
+              <mc:Fallback>
+                <p:oleObj name="Формула" r:id="rId8" imgW="533169" imgH="203112" progId="Equation.3">
+                  <p:embed/>
+                  <p:pic>
+                    <p:nvPicPr>
+                      <p:cNvPr id="0" name="Объект 2"/>
+                      <p:cNvPicPr>
+                        <a:picLocks noChangeAspect="1" noChangeArrowheads="1"/>
+                      </p:cNvPicPr>
+                      <p:nvPr/>
+                    </p:nvPicPr>
+                    <p:blipFill>
+                      <a:blip r:embed="rId7">
+                        <a:extLst>
+                          <a:ext uri="{28A0092B-C50C-407E-A947-70E740481C1C}">
+                            <a14:useLocalDpi xmlns:a14="http://schemas.microsoft.com/office/drawing/2010/main" val="0"/>
+                          </a:ext>
+                        </a:extLst>
+                      </a:blip>
+                      <a:srcRect/>
+                      <a:stretch>
+                        <a:fillRect/>
+                      </a:stretch>
+                    </p:blipFill>
+                    <p:spPr bwMode="auto">
+                      <a:xfrm>
+                        <a:off x="3724275" y="5181600"/>
+                        <a:ext cx="920750" cy="346075"/>
+                      </a:xfrm>
+                      <a:prstGeom prst="rect">
+                        <a:avLst/>
+                      </a:prstGeom>
+                      <a:noFill/>
+                      <a:ln>
+                        <a:noFill/>
+                      </a:ln>
+                      <a:extLst>
+                        <a:ext uri="{909E8E84-426E-40DD-AFC4-6F175D3DCCD1}">
+                          <a14:hiddenFill xmlns:a14="http://schemas.microsoft.com/office/drawing/2010/main">
+                            <a:solidFill>
+                              <a:srgbClr val="FFFFFF"/>
+                            </a:solidFill>
+                          </a14:hiddenFill>
+                        </a:ext>
+                        <a:ext uri="{91240B29-F687-4F45-9708-019B960494DF}">
+                          <a14:hiddenLine xmlns:a14="http://schemas.microsoft.com/office/drawing/2010/main" w="9525">
+                            <a:solidFill>
+                              <a:srgbClr val="000000"/>
+                            </a:solidFill>
+                            <a:miter lim="800000"/>
+                            <a:headEnd/>
+                            <a:tailEnd/>
+                          </a14:hiddenLine>
+                        </a:ext>
+                      </a:extLst>
+                    </p:spPr>
+                  </p:pic>
+                </p:oleObj>
+              </mc:Fallback>
+            </mc:AlternateContent>
+          </a:graphicData>
+        </a:graphic>
+      </p:graphicFrame>
+      <p:graphicFrame>
+        <p:nvGraphicFramePr>
+          <p:cNvPr id="14" name="Объект 13"/>
+          <p:cNvGraphicFramePr>
+            <a:graphicFrameLocks noChangeAspect="1"/>
+          </p:cNvGraphicFramePr>
+          <p:nvPr>
+            <p:extLst>
+              <p:ext uri="{D42A27DB-BD31-4B8C-83A1-F6EECF244321}">
+                <p14:modId xmlns:p14="http://schemas.microsoft.com/office/powerpoint/2010/main" val="1018563887"/>
+              </p:ext>
+            </p:extLst>
+          </p:nvPr>
+        </p:nvGraphicFramePr>
+        <p:xfrm>
+          <a:off x="2432050" y="4700588"/>
+          <a:ext cx="3505200" cy="504825"/>
+        </p:xfrm>
+        <a:graphic>
+          <a:graphicData uri="http://schemas.openxmlformats.org/presentationml/2006/ole">
+            <mc:AlternateContent xmlns:mc="http://schemas.openxmlformats.org/markup-compatibility/2006">
+              <mc:Choice xmlns:v="urn:schemas-microsoft-com:vml" Requires="v">
+                <p:oleObj spid="_x0000_s6175" name="Формула" r:id="rId9" imgW="2183452" imgH="317362" progId="Equation.3">
+                  <p:embed/>
+                </p:oleObj>
+              </mc:Choice>
+              <mc:Fallback>
+                <p:oleObj name="Формула" r:id="rId9" imgW="2183452" imgH="317362" progId="Equation.3">
+                  <p:embed/>
+                  <p:pic>
+                    <p:nvPicPr>
+                      <p:cNvPr id="0" name="Объект 1"/>
+                      <p:cNvPicPr>
+                        <a:picLocks noChangeAspect="1" noChangeArrowheads="1"/>
+                      </p:cNvPicPr>
+                      <p:nvPr/>
+                    </p:nvPicPr>
+                    <p:blipFill>
+                      <a:blip r:embed="rId5">
+                        <a:extLst>
+                          <a:ext uri="{28A0092B-C50C-407E-A947-70E740481C1C}">
+                            <a14:useLocalDpi xmlns:a14="http://schemas.microsoft.com/office/drawing/2010/main" val="0"/>
+                          </a:ext>
+                        </a:extLst>
+                      </a:blip>
+                      <a:srcRect/>
+                      <a:stretch>
+                        <a:fillRect/>
+                      </a:stretch>
+                    </p:blipFill>
+                    <p:spPr bwMode="auto">
+                      <a:xfrm>
+                        <a:off x="2432050" y="4700588"/>
+                        <a:ext cx="3505200" cy="504825"/>
+                      </a:xfrm>
+                      <a:prstGeom prst="rect">
+                        <a:avLst/>
+                      </a:prstGeom>
+                      <a:noFill/>
+                      <a:ln>
+                        <a:noFill/>
+                      </a:ln>
+                      <a:extLst>
+                        <a:ext uri="{909E8E84-426E-40DD-AFC4-6F175D3DCCD1}">
+                          <a14:hiddenFill xmlns:a14="http://schemas.microsoft.com/office/drawing/2010/main">
+                            <a:solidFill>
+                              <a:srgbClr val="FFFFFF"/>
+                            </a:solidFill>
+                          </a14:hiddenFill>
+                        </a:ext>
+                        <a:ext uri="{91240B29-F687-4F45-9708-019B960494DF}">
+                          <a14:hiddenLine xmlns:a14="http://schemas.microsoft.com/office/drawing/2010/main" w="9525">
+                            <a:solidFill>
+                              <a:srgbClr val="000000"/>
+                            </a:solidFill>
+                            <a:miter lim="800000"/>
+                            <a:headEnd/>
+                            <a:tailEnd/>
+                          </a14:hiddenLine>
+                        </a:ext>
+                      </a:extLst>
+                    </p:spPr>
+                  </p:pic>
+                </p:oleObj>
+              </mc:Fallback>
+            </mc:AlternateContent>
+          </a:graphicData>
+        </a:graphic>
+      </p:graphicFrame>
+      <p:graphicFrame>
+        <p:nvGraphicFramePr>
+          <p:cNvPr id="16" name="Объект 15"/>
+          <p:cNvGraphicFramePr>
+            <a:graphicFrameLocks noChangeAspect="1"/>
+          </p:cNvGraphicFramePr>
+          <p:nvPr>
+            <p:extLst>
+              <p:ext uri="{D42A27DB-BD31-4B8C-83A1-F6EECF244321}">
+                <p14:modId xmlns:p14="http://schemas.microsoft.com/office/powerpoint/2010/main" val="3463796746"/>
+              </p:ext>
+            </p:extLst>
+          </p:nvPr>
+        </p:nvGraphicFramePr>
+        <p:xfrm>
+          <a:off x="3865563" y="5638800"/>
+          <a:ext cx="638175" cy="295275"/>
+        </p:xfrm>
+        <a:graphic>
+          <a:graphicData uri="http://schemas.openxmlformats.org/presentationml/2006/ole">
+            <mc:AlternateContent xmlns:mc="http://schemas.openxmlformats.org/markup-compatibility/2006">
+              <mc:Choice xmlns:v="urn:schemas-microsoft-com:vml" Requires="v">
+                <p:oleObj spid="_x0000_s6176" name="Формула" r:id="rId10" imgW="380880" imgH="177480" progId="Equation.3">
+                  <p:embed/>
+                </p:oleObj>
+              </mc:Choice>
+              <mc:Fallback>
+                <p:oleObj name="Формула" r:id="rId10" imgW="380880" imgH="177480" progId="Equation.3">
+                  <p:embed/>
+                  <p:pic>
+                    <p:nvPicPr>
+                      <p:cNvPr id="0" name="Объект 10"/>
+                      <p:cNvPicPr>
+                        <a:picLocks noChangeAspect="1" noChangeArrowheads="1"/>
+                      </p:cNvPicPr>
+                      <p:nvPr/>
+                    </p:nvPicPr>
+                    <p:blipFill>
+                      <a:blip r:embed="rId11">
+                        <a:extLst>
+                          <a:ext uri="{28A0092B-C50C-407E-A947-70E740481C1C}">
+                            <a14:useLocalDpi xmlns:a14="http://schemas.microsoft.com/office/drawing/2010/main" val="0"/>
+                          </a:ext>
+                        </a:extLst>
+                      </a:blip>
+                      <a:srcRect/>
+                      <a:stretch>
+                        <a:fillRect/>
+                      </a:stretch>
+                    </p:blipFill>
+                    <p:spPr bwMode="auto">
+                      <a:xfrm>
+                        <a:off x="3865563" y="5638800"/>
+                        <a:ext cx="638175" cy="295275"/>
+                      </a:xfrm>
+                      <a:prstGeom prst="rect">
+                        <a:avLst/>
+                      </a:prstGeom>
+                      <a:noFill/>
+                      <a:ln>
+                        <a:noFill/>
+                      </a:ln>
+                      <a:extLst>
+                        <a:ext uri="{909E8E84-426E-40DD-AFC4-6F175D3DCCD1}">
+                          <a14:hiddenFill xmlns:a14="http://schemas.microsoft.com/office/drawing/2010/main">
+                            <a:solidFill>
+                              <a:srgbClr val="FFFFFF"/>
+                            </a:solidFill>
+                          </a14:hiddenFill>
+                        </a:ext>
+                        <a:ext uri="{91240B29-F687-4F45-9708-019B960494DF}">
+                          <a14:hiddenLine xmlns:a14="http://schemas.microsoft.com/office/drawing/2010/main" w="9525">
+                            <a:solidFill>
+                              <a:srgbClr val="000000"/>
+                            </a:solidFill>
+                            <a:miter lim="800000"/>
+                            <a:headEnd/>
+                            <a:tailEnd/>
+                          </a14:hiddenLine>
+                        </a:ext>
+                      </a:extLst>
+                    </p:spPr>
+                  </p:pic>
+                </p:oleObj>
+              </mc:Fallback>
+            </mc:AlternateContent>
+          </a:graphicData>
+        </a:graphic>
+      </p:graphicFrame>
     </p:spTree>
   </p:cSld>
   <p:clrMapOvr>
@@ -7988,32 +9000,274 @@
                   <a:schemeClr val="bg1"/>
                 </a:solidFill>
               </a:rPr>
-              <a:t>МЕТОД СКАНИРОВАНИЯ </a:t>
-            </a:r>
-            <a:r>
-              <a:rPr lang="ru-RU" sz="2000" b="1" dirty="0" smtClean="0">
-                <a:solidFill>
-                  <a:schemeClr val="bg1"/>
-                </a:solidFill>
+              <a:t>МЕТОД СКАНИРОВАНИЯ ДОПУСТИМОЙ ОБЛАСТИ</a:t>
+            </a:r>
+          </a:p>
+        </p:txBody>
+      </p:sp>
+      <p:sp>
+        <p:nvSpPr>
+          <p:cNvPr id="3" name="Rectangle 6"/>
+          <p:cNvSpPr>
+            <a:spLocks noChangeArrowheads="1"/>
+          </p:cNvSpPr>
+          <p:nvPr/>
+        </p:nvSpPr>
+        <p:spPr bwMode="auto">
+          <a:xfrm>
+            <a:off x="114300" y="1305346"/>
+            <a:ext cx="8915400" cy="4247317"/>
+          </a:xfrm>
+          <a:prstGeom prst="rect">
+            <a:avLst/>
+          </a:prstGeom>
+          <a:noFill/>
+          <a:ln>
+            <a:noFill/>
+          </a:ln>
+          <a:effectLst/>
+          <a:extLst>
+            <a:ext uri="{909E8E84-426E-40DD-AFC4-6F175D3DCCD1}">
+              <a14:hiddenFill xmlns:a14="http://schemas.microsoft.com/office/drawing/2010/main">
+                <a:solidFill>
+                  <a:schemeClr val="accent1"/>
+                </a:solidFill>
+              </a14:hiddenFill>
+            </a:ext>
+            <a:ext uri="{91240B29-F687-4F45-9708-019B960494DF}">
+              <a14:hiddenLine xmlns:a14="http://schemas.microsoft.com/office/drawing/2010/main" w="9525">
+                <a:solidFill>
+                  <a:schemeClr val="tx1"/>
+                </a:solidFill>
+                <a:miter lim="800000"/>
+                <a:headEnd/>
+                <a:tailEnd/>
+              </a14:hiddenLine>
+            </a:ext>
+            <a:ext uri="{AF507438-7753-43E0-B8FC-AC1667EBCBE1}">
+              <a14:hiddenEffects xmlns:a14="http://schemas.microsoft.com/office/drawing/2010/main">
+                <a:effectLst>
+                  <a:outerShdw dist="35921" dir="2700000" algn="ctr" rotWithShape="0">
+                    <a:schemeClr val="bg2"/>
+                  </a:outerShdw>
+                </a:effectLst>
+              </a14:hiddenEffects>
+            </a:ext>
+          </a:extLst>
+        </p:spPr>
+        <p:txBody>
+          <a:bodyPr wrap="square" anchor="ctr">
+            <a:spAutoFit/>
+          </a:bodyPr>
+          <a:lstStyle/>
+          <a:p>
+            <a:pPr indent="450850"/>
+            <a:r>
+              <a:rPr lang="ru-RU" sz="1800" b="0" dirty="0" smtClean="0">
+                <a:cs typeface="Times New Roman" pitchFamily="18" charset="0"/>
               </a:rPr>
-              <a:t>ДОПУСТИМОЙ</a:t>
-            </a:r>
-            <a:r>
-              <a:rPr lang="ru-RU" sz="2000" b="1" dirty="0" smtClean="0">
-                <a:solidFill>
-                  <a:schemeClr val="bg1"/>
-                </a:solidFill>
+              <a:t>Алгоритм сканирования:</a:t>
+            </a:r>
+          </a:p>
+          <a:p>
+            <a:pPr marL="342900" indent="-342900">
+              <a:buFont typeface="+mj-lt"/>
+              <a:buAutoNum type="arabicPeriod"/>
+            </a:pPr>
+            <a:r>
+              <a:rPr lang="ru-RU" sz="1800" b="0" dirty="0" smtClean="0">
+                <a:cs typeface="Times New Roman" pitchFamily="18" charset="0"/>
               </a:rPr>
-              <a:t> </a:t>
-            </a:r>
-            <a:r>
-              <a:rPr lang="ru-RU" sz="2000" b="1" dirty="0" smtClean="0">
-                <a:solidFill>
-                  <a:schemeClr val="bg1"/>
-                </a:solidFill>
+              <a:t>Определяем </a:t>
+            </a:r>
+            <a:r>
+              <a:rPr lang="ru-RU" sz="1800" b="0" dirty="0">
+                <a:cs typeface="Times New Roman" pitchFamily="18" charset="0"/>
               </a:rPr>
-              <a:t>ОБЛАСТИ</a:t>
-            </a:r>
+              <a:t>начальную точку </a:t>
+            </a:r>
+            <a:r>
+              <a:rPr lang="en-US" sz="1800" b="0" i="1" dirty="0"/>
+              <a:t>w</a:t>
+            </a:r>
+            <a:r>
+              <a:rPr lang="en-US" sz="1800" b="0" i="1" baseline="30000" dirty="0"/>
+              <a:t>0</a:t>
+            </a:r>
+            <a:r>
+              <a:rPr lang="ru-RU" sz="1800" b="0" dirty="0" smtClean="0">
+                <a:cs typeface="Times New Roman" pitchFamily="18" charset="0"/>
+              </a:rPr>
+              <a:t>.</a:t>
+            </a:r>
+          </a:p>
+          <a:p>
+            <a:pPr marL="342900" indent="-342900">
+              <a:buFont typeface="+mj-lt"/>
+              <a:buAutoNum type="arabicPeriod"/>
+            </a:pPr>
+            <a:r>
+              <a:rPr lang="ru-RU" sz="1800" b="0" dirty="0" smtClean="0">
+                <a:cs typeface="Times New Roman" pitchFamily="18" charset="0"/>
+              </a:rPr>
+              <a:t>Фиксируем </a:t>
+            </a:r>
+            <a:r>
+              <a:rPr lang="ru-RU" sz="1800" b="0" dirty="0">
+                <a:cs typeface="Times New Roman" pitchFamily="18" charset="0"/>
+              </a:rPr>
+              <a:t>все координаты, кроме одной</a:t>
+            </a:r>
+            <a:r>
+              <a:rPr lang="ru-RU" sz="1800" b="0" dirty="0" smtClean="0">
+                <a:cs typeface="Times New Roman" pitchFamily="18" charset="0"/>
+              </a:rPr>
+              <a:t>.</a:t>
+            </a:r>
+          </a:p>
+          <a:p>
+            <a:pPr marL="342900" indent="-342900">
+              <a:buFont typeface="+mj-lt"/>
+              <a:buAutoNum type="arabicPeriod"/>
+            </a:pPr>
+            <a:r>
+              <a:rPr lang="ru-RU" sz="1800" b="0" dirty="0" smtClean="0">
+                <a:cs typeface="Times New Roman" pitchFamily="18" charset="0"/>
+              </a:rPr>
+              <a:t>Проводим </a:t>
+            </a:r>
+            <a:r>
+              <a:rPr lang="ru-RU" sz="1800" b="0" dirty="0">
+                <a:cs typeface="Times New Roman" pitchFamily="18" charset="0"/>
+              </a:rPr>
+              <a:t>сканирование по данной координате с шагом </a:t>
+            </a:r>
+            <a:r>
+              <a:rPr lang="ru-RU" sz="1800" b="0" i="1" dirty="0">
+                <a:cs typeface="Times New Roman" pitchFamily="18" charset="0"/>
+              </a:rPr>
+              <a:t>s</a:t>
+            </a:r>
+            <a:r>
+              <a:rPr lang="ru-RU" sz="1800" b="0" dirty="0" smtClean="0">
+                <a:cs typeface="Times New Roman" pitchFamily="18" charset="0"/>
+              </a:rPr>
+              <a:t>.</a:t>
+            </a:r>
+          </a:p>
+          <a:p>
+            <a:pPr marL="342900" indent="-342900">
+              <a:buFont typeface="+mj-lt"/>
+              <a:buAutoNum type="arabicPeriod"/>
+            </a:pPr>
+            <a:r>
+              <a:rPr lang="ru-RU" sz="1800" b="0" dirty="0" smtClean="0">
+                <a:cs typeface="Times New Roman" pitchFamily="18" charset="0"/>
+              </a:rPr>
+              <a:t>Фиксируем </a:t>
+            </a:r>
+            <a:r>
+              <a:rPr lang="ru-RU" sz="1800" b="0" dirty="0">
+                <a:cs typeface="Times New Roman" pitchFamily="18" charset="0"/>
+              </a:rPr>
+              <a:t>следующую координату</a:t>
+            </a:r>
+            <a:r>
+              <a:rPr lang="ru-RU" sz="1800" b="0" dirty="0" smtClean="0">
+                <a:cs typeface="Times New Roman" pitchFamily="18" charset="0"/>
+              </a:rPr>
+              <a:t>.</a:t>
+            </a:r>
+          </a:p>
+          <a:p>
+            <a:pPr marL="342900" indent="-342900">
+              <a:buFont typeface="+mj-lt"/>
+              <a:buAutoNum type="arabicPeriod"/>
+            </a:pPr>
+            <a:r>
+              <a:rPr lang="ru-RU" sz="1800" b="0" dirty="0" smtClean="0">
+                <a:cs typeface="Times New Roman" pitchFamily="18" charset="0"/>
+              </a:rPr>
+              <a:t>Проводим </a:t>
+            </a:r>
+            <a:r>
+              <a:rPr lang="ru-RU" sz="1800" b="0" dirty="0">
+                <a:cs typeface="Times New Roman" pitchFamily="18" charset="0"/>
+              </a:rPr>
+              <a:t>сканирование по данной координате, при этом на каждом шаге сканирования проводя сканирование по предыдущим координатам</a:t>
+            </a:r>
+            <a:r>
+              <a:rPr lang="ru-RU" sz="1800" b="0" dirty="0" smtClean="0">
+                <a:cs typeface="Times New Roman" pitchFamily="18" charset="0"/>
+              </a:rPr>
+              <a:t>.</a:t>
+            </a:r>
+          </a:p>
+          <a:p>
+            <a:pPr marL="342900" indent="-342900">
+              <a:buFont typeface="+mj-lt"/>
+              <a:buAutoNum type="arabicPeriod"/>
+            </a:pPr>
+            <a:r>
+              <a:rPr lang="ru-RU" sz="1800" b="0" dirty="0" smtClean="0">
+                <a:cs typeface="Times New Roman" pitchFamily="18" charset="0"/>
+              </a:rPr>
+              <a:t>Если </a:t>
+            </a:r>
+            <a:r>
+              <a:rPr lang="ru-RU" sz="1800" b="0" dirty="0">
+                <a:cs typeface="Times New Roman" pitchFamily="18" charset="0"/>
+              </a:rPr>
+              <a:t>не все координаты пройдены, возвращаемся к п. 4</a:t>
+            </a:r>
+            <a:r>
+              <a:rPr lang="ru-RU" sz="1800" b="0" dirty="0" smtClean="0">
+                <a:cs typeface="Times New Roman" pitchFamily="18" charset="0"/>
+              </a:rPr>
+              <a:t>.</a:t>
+            </a:r>
+          </a:p>
+          <a:p>
+            <a:pPr indent="457200"/>
+            <a:r>
+              <a:rPr lang="ru-RU" sz="1800" b="0" dirty="0" smtClean="0">
+                <a:cs typeface="Times New Roman" pitchFamily="18" charset="0"/>
+              </a:rPr>
+              <a:t>Шаг </a:t>
+            </a:r>
+            <a:endParaRPr lang="ru-RU" sz="1800" b="0" dirty="0">
+              <a:cs typeface="Times New Roman" pitchFamily="18" charset="0"/>
+            </a:endParaRPr>
+          </a:p>
+          <a:p>
+            <a:pPr indent="457200"/>
+            <a:r>
+              <a:rPr lang="ru-RU" sz="1800" b="0" dirty="0" smtClean="0">
+                <a:cs typeface="Times New Roman" pitchFamily="18" charset="0"/>
+              </a:rPr>
+              <a:t>На </a:t>
+            </a:r>
+            <a:r>
+              <a:rPr lang="ru-RU" sz="1800" b="0" dirty="0">
+                <a:cs typeface="Times New Roman" pitchFamily="18" charset="0"/>
+              </a:rPr>
+              <a:t>каждом шаге проводится проверка соответствия точки заданным ограничениям. Если точка удовлетворяет ограничениям, производится вычисление значения целевой функции, и, если значение целевой функции оказывается лучшим, чем полученное на предыдущих этапах, запоминаем эту точку как промежуточное решение. </a:t>
+            </a:r>
+            <a:endParaRPr lang="ru-RU" sz="1800" b="0" dirty="0" smtClean="0">
+              <a:cs typeface="Times New Roman" pitchFamily="18" charset="0"/>
+            </a:endParaRPr>
+          </a:p>
+          <a:p>
+            <a:pPr indent="457200"/>
+            <a:endParaRPr lang="ru-RU" sz="1800" b="0" dirty="0">
+              <a:cs typeface="Times New Roman" pitchFamily="18" charset="0"/>
+            </a:endParaRPr>
+          </a:p>
+          <a:p>
+            <a:pPr indent="457200"/>
+            <a:endParaRPr lang="ru-RU" sz="1800" b="0" dirty="0">
+              <a:cs typeface="Times New Roman" pitchFamily="18" charset="0"/>
+            </a:endParaRPr>
           </a:p>
         </p:txBody>
       </p:sp>
@@ -8696,6 +9950,70 @@
           </a:p>
         </p:txBody>
       </p:sp>
+      <p:pic>
+        <p:nvPicPr>
+          <p:cNvPr id="7170" name="Picture 2"/>
+          <p:cNvPicPr>
+            <a:picLocks noChangeAspect="1" noChangeArrowheads="1"/>
+          </p:cNvPicPr>
+          <p:nvPr/>
+        </p:nvPicPr>
+        <p:blipFill>
+          <a:blip r:embed="rId2">
+            <a:extLst>
+              <a:ext uri="{28A0092B-C50C-407E-A947-70E740481C1C}">
+                <a14:useLocalDpi xmlns:a14="http://schemas.microsoft.com/office/drawing/2010/main" val="0"/>
+              </a:ext>
+            </a:extLst>
+          </a:blip>
+          <a:srcRect/>
+          <a:stretch>
+            <a:fillRect/>
+          </a:stretch>
+        </p:blipFill>
+        <p:spPr bwMode="auto">
+          <a:xfrm>
+            <a:off x="1676400" y="1676400"/>
+            <a:ext cx="4654550" cy="4459783"/>
+          </a:xfrm>
+          <a:prstGeom prst="rect">
+            <a:avLst/>
+          </a:prstGeom>
+          <a:noFill/>
+          <a:ln>
+            <a:noFill/>
+          </a:ln>
+          <a:effectLst/>
+          <a:extLst>
+            <a:ext uri="{909E8E84-426E-40DD-AFC4-6F175D3DCCD1}">
+              <a14:hiddenFill xmlns:a14="http://schemas.microsoft.com/office/drawing/2010/main">
+                <a:solidFill>
+                  <a:schemeClr val="accent1"/>
+                </a:solidFill>
+              </a14:hiddenFill>
+            </a:ext>
+            <a:ext uri="{91240B29-F687-4F45-9708-019B960494DF}">
+              <a14:hiddenLine xmlns:a14="http://schemas.microsoft.com/office/drawing/2010/main" w="9525">
+                <a:solidFill>
+                  <a:schemeClr val="tx1"/>
+                </a:solidFill>
+                <a:miter lim="800000"/>
+                <a:headEnd/>
+                <a:tailEnd/>
+              </a14:hiddenLine>
+            </a:ext>
+            <a:ext uri="{AF507438-7753-43E0-B8FC-AC1667EBCBE1}">
+              <a14:hiddenEffects xmlns:a14="http://schemas.microsoft.com/office/drawing/2010/main">
+                <a:effectLst>
+                  <a:outerShdw dist="35921" dir="2700000" algn="ctr" rotWithShape="0">
+                    <a:schemeClr val="bg2"/>
+                  </a:outerShdw>
+                </a:effectLst>
+              </a14:hiddenEffects>
+            </a:ext>
+          </a:extLst>
+        </p:spPr>
+      </p:pic>
     </p:spTree>
   </p:cSld>
   <p:clrMapOvr>
